--- a/final project/Part_1-2-4.pptx
+++ b/final project/Part_1-2-4.pptx
@@ -18,13 +18,13 @@
   <p:sldIdLst>
     <p:sldId id="404" r:id="rId7"/>
     <p:sldId id="409" r:id="rId8"/>
-    <p:sldId id="396" r:id="rId9"/>
-    <p:sldId id="397" r:id="rId10"/>
-    <p:sldId id="398" r:id="rId11"/>
-    <p:sldId id="400" r:id="rId12"/>
-    <p:sldId id="401" r:id="rId13"/>
-    <p:sldId id="402" r:id="rId14"/>
-    <p:sldId id="403" r:id="rId15"/>
+    <p:sldId id="410" r:id="rId9"/>
+    <p:sldId id="411" r:id="rId10"/>
+    <p:sldId id="412" r:id="rId11"/>
+    <p:sldId id="413" r:id="rId12"/>
+    <p:sldId id="414" r:id="rId13"/>
+    <p:sldId id="415" r:id="rId14"/>
+    <p:sldId id="416" r:id="rId15"/>
     <p:sldId id="370" r:id="rId16"/>
     <p:sldId id="392" r:id="rId17"/>
     <p:sldId id="405" r:id="rId18"/>
@@ -395,7 +395,7 @@
               <a:pPr>
                 <a:defRPr/>
               </a:pPr>
-              <a:t>‹#›</a:t>
+              <a:t>‹Nr.›</a:t>
             </a:fld>
             <a:endParaRPr lang="en-GB"/>
           </a:p>
@@ -713,7 +713,7 @@
               <a:pPr>
                 <a:defRPr/>
               </a:pPr>
-              <a:t>‹#›</a:t>
+              <a:t>‹Nr.›</a:t>
             </a:fld>
             <a:endParaRPr lang="en-GB"/>
           </a:p>
@@ -1109,7 +1109,7 @@
             <a:fld id="{CE58CB1E-F828-4F11-99E0-327109AF9DA4}" type="slidenum">
               <a:rPr lang="de-DE" smtClean="0"/>
               <a:pPr/>
-              <a:t>‹#›</a:t>
+              <a:t>‹Nr.›</a:t>
             </a:fld>
             <a:endParaRPr lang="de-DE" dirty="0"/>
           </a:p>
@@ -1270,7 +1270,7 @@
             <a:fld id="{CE58CB1E-F828-4F11-99E0-327109AF9DA4}" type="slidenum">
               <a:rPr lang="de-DE" smtClean="0"/>
               <a:pPr/>
-              <a:t>‹#›</a:t>
+              <a:t>‹Nr.›</a:t>
             </a:fld>
             <a:endParaRPr lang="de-DE" dirty="0"/>
           </a:p>
@@ -1489,7 +1489,7 @@
             <a:fld id="{CE58CB1E-F828-4F11-99E0-327109AF9DA4}" type="slidenum">
               <a:rPr lang="de-DE" smtClean="0"/>
               <a:pPr/>
-              <a:t>‹#›</a:t>
+              <a:t>‹Nr.›</a:t>
             </a:fld>
             <a:endParaRPr lang="de-DE" dirty="0"/>
           </a:p>
@@ -1834,7 +1834,7 @@
             <a:fld id="{CE58CB1E-F828-4F11-99E0-327109AF9DA4}" type="slidenum">
               <a:rPr lang="de-DE" smtClean="0"/>
               <a:pPr/>
-              <a:t>‹#›</a:t>
+              <a:t>‹Nr.›</a:t>
             </a:fld>
             <a:endParaRPr lang="de-DE" dirty="0"/>
           </a:p>
@@ -2033,7 +2033,7 @@
             <a:fld id="{CE58CB1E-F828-4F11-99E0-327109AF9DA4}" type="slidenum">
               <a:rPr lang="de-DE" smtClean="0"/>
               <a:pPr/>
-              <a:t>‹#›</a:t>
+              <a:t>‹Nr.›</a:t>
             </a:fld>
             <a:endParaRPr lang="de-DE" dirty="0"/>
           </a:p>
@@ -2232,7 +2232,7 @@
             <a:fld id="{CE58CB1E-F828-4F11-99E0-327109AF9DA4}" type="slidenum">
               <a:rPr lang="de-DE" smtClean="0"/>
               <a:pPr/>
-              <a:t>‹#›</a:t>
+              <a:t>‹Nr.›</a:t>
             </a:fld>
             <a:endParaRPr lang="de-DE" dirty="0"/>
           </a:p>
@@ -2553,7 +2553,7 @@
             <a:fld id="{CE58CB1E-F828-4F11-99E0-327109AF9DA4}" type="slidenum">
               <a:rPr lang="de-DE" smtClean="0"/>
               <a:pPr/>
-              <a:t>‹#›</a:t>
+              <a:t>‹Nr.›</a:t>
             </a:fld>
             <a:endParaRPr lang="de-DE" dirty="0"/>
           </a:p>
@@ -2729,7 +2729,7 @@
             <a:fld id="{CE58CB1E-F828-4F11-99E0-327109AF9DA4}" type="slidenum">
               <a:rPr lang="de-DE" smtClean="0"/>
               <a:pPr/>
-              <a:t>‹#›</a:t>
+              <a:t>‹Nr.›</a:t>
             </a:fld>
             <a:endParaRPr lang="de-DE" dirty="0"/>
           </a:p>
@@ -3044,7 +3044,7 @@
             <a:fld id="{CE58CB1E-F828-4F11-99E0-327109AF9DA4}" type="slidenum">
               <a:rPr lang="de-DE" smtClean="0"/>
               <a:pPr/>
-              <a:t>‹#›</a:t>
+              <a:t>‹Nr.›</a:t>
             </a:fld>
             <a:endParaRPr lang="de-DE" dirty="0"/>
           </a:p>
@@ -3316,7 +3316,7 @@
             <a:fld id="{CE58CB1E-F828-4F11-99E0-327109AF9DA4}" type="slidenum">
               <a:rPr lang="de-DE" smtClean="0"/>
               <a:pPr/>
-              <a:t>‹#›</a:t>
+              <a:t>‹Nr.›</a:t>
             </a:fld>
             <a:endParaRPr lang="de-DE" dirty="0"/>
           </a:p>
@@ -3503,7 +3503,7 @@
             <a:fld id="{CE58CB1E-F828-4F11-99E0-327109AF9DA4}" type="slidenum">
               <a:rPr lang="de-DE" smtClean="0"/>
               <a:pPr/>
-              <a:t>‹#›</a:t>
+              <a:t>‹Nr.›</a:t>
             </a:fld>
             <a:endParaRPr lang="de-DE" dirty="0"/>
           </a:p>
@@ -3702,7 +3702,7 @@
             <a:fld id="{CE58CB1E-F828-4F11-99E0-327109AF9DA4}" type="slidenum">
               <a:rPr lang="de-DE" smtClean="0"/>
               <a:pPr/>
-              <a:t>‹#›</a:t>
+              <a:t>‹Nr.›</a:t>
             </a:fld>
             <a:endParaRPr lang="de-DE" dirty="0"/>
           </a:p>
@@ -3901,7 +3901,7 @@
             <a:fld id="{CE58CB1E-F828-4F11-99E0-327109AF9DA4}" type="slidenum">
               <a:rPr lang="de-DE" smtClean="0"/>
               <a:pPr/>
-              <a:t>‹#›</a:t>
+              <a:t>‹Nr.›</a:t>
             </a:fld>
             <a:endParaRPr lang="de-DE" dirty="0"/>
           </a:p>
@@ -3986,7 +3986,7 @@
             <a:fld id="{CE58CB1E-F828-4F11-99E0-327109AF9DA4}" type="slidenum">
               <a:rPr lang="de-DE" smtClean="0"/>
               <a:pPr/>
-              <a:t>‹#›</a:t>
+              <a:t>‹Nr.›</a:t>
             </a:fld>
             <a:endParaRPr lang="de-DE" dirty="0"/>
           </a:p>
@@ -4267,7 +4267,7 @@
             <a:fld id="{CE58CB1E-F828-4F11-99E0-327109AF9DA4}" type="slidenum">
               <a:rPr lang="de-DE" smtClean="0"/>
               <a:pPr/>
-              <a:t>‹#›</a:t>
+              <a:t>‹Nr.›</a:t>
             </a:fld>
             <a:endParaRPr lang="de-DE" dirty="0"/>
           </a:p>
@@ -4478,7 +4478,7 @@
             <a:fld id="{CE58CB1E-F828-4F11-99E0-327109AF9DA4}" type="slidenum">
               <a:rPr lang="de-DE" smtClean="0"/>
               <a:pPr/>
-              <a:t>‹#›</a:t>
+              <a:t>‹Nr.›</a:t>
             </a:fld>
             <a:endParaRPr lang="de-DE" dirty="0"/>
           </a:p>
@@ -4677,7 +4677,7 @@
             <a:fld id="{CE58CB1E-F828-4F11-99E0-327109AF9DA4}" type="slidenum">
               <a:rPr lang="de-DE" smtClean="0"/>
               <a:pPr/>
-              <a:t>‹#›</a:t>
+              <a:t>‹Nr.›</a:t>
             </a:fld>
             <a:endParaRPr lang="de-DE" dirty="0"/>
           </a:p>
@@ -4853,7 +4853,7 @@
             <a:fld id="{CE58CB1E-F828-4F11-99E0-327109AF9DA4}" type="slidenum">
               <a:rPr lang="de-DE" smtClean="0"/>
               <a:pPr/>
-              <a:t>‹#›</a:t>
+              <a:t>‹Nr.›</a:t>
             </a:fld>
             <a:endParaRPr lang="de-DE" dirty="0"/>
           </a:p>
@@ -5222,7 +5222,7 @@
             <a:fld id="{CE58CB1E-F828-4F11-99E0-327109AF9DA4}" type="slidenum">
               <a:rPr lang="de-DE" smtClean="0"/>
               <a:pPr/>
-              <a:t>‹#›</a:t>
+              <a:t>‹Nr.›</a:t>
             </a:fld>
             <a:endParaRPr lang="de-DE" dirty="0"/>
           </a:p>
@@ -5421,7 +5421,7 @@
             <a:fld id="{CE58CB1E-F828-4F11-99E0-327109AF9DA4}" type="slidenum">
               <a:rPr lang="de-DE" smtClean="0"/>
               <a:pPr/>
-              <a:t>‹#›</a:t>
+              <a:t>‹Nr.›</a:t>
             </a:fld>
             <a:endParaRPr lang="de-DE" dirty="0"/>
           </a:p>
@@ -5645,7 +5645,7 @@
             <a:fld id="{CE58CB1E-F828-4F11-99E0-327109AF9DA4}" type="slidenum">
               <a:rPr lang="de-DE" smtClean="0"/>
               <a:pPr/>
-              <a:t>‹#›</a:t>
+              <a:t>‹Nr.›</a:t>
             </a:fld>
             <a:endParaRPr lang="de-DE" dirty="0"/>
           </a:p>
@@ -5882,7 +5882,7 @@
             <a:fld id="{CE58CB1E-F828-4F11-99E0-327109AF9DA4}" type="slidenum">
               <a:rPr lang="de-DE" smtClean="0"/>
               <a:pPr/>
-              <a:t>‹#›</a:t>
+              <a:t>‹Nr.›</a:t>
             </a:fld>
             <a:endParaRPr lang="de-DE" dirty="0"/>
           </a:p>
@@ -6360,7 +6360,7 @@
                   <a:spcPct val="114000"/>
                 </a:lnSpc>
               </a:pPr>
-              <a:t>‹#›</a:t>
+              <a:t>‹Nr.›</a:t>
             </a:fld>
             <a:endParaRPr lang="de-DE" sz="1200" dirty="0">
               <a:latin typeface="+mn-lt"/>
@@ -6452,7 +6452,7 @@
             <a:fld id="{CE58CB1E-F828-4F11-99E0-327109AF9DA4}" type="slidenum">
               <a:rPr lang="de-DE" noProof="0" smtClean="0"/>
               <a:pPr/>
-              <a:t>‹#›</a:t>
+              <a:t>‹Nr.›</a:t>
             </a:fld>
             <a:endParaRPr lang="de-DE" noProof="0"/>
           </a:p>
@@ -6966,7 +6966,7 @@
             <a:fld id="{CE58CB1E-F828-4F11-99E0-327109AF9DA4}" type="slidenum">
               <a:rPr lang="de-DE" smtClean="0"/>
               <a:pPr/>
-              <a:t>‹#›</a:t>
+              <a:t>‹Nr.›</a:t>
             </a:fld>
             <a:endParaRPr lang="de-DE" dirty="0"/>
           </a:p>
@@ -7642,7 +7642,7 @@
             <a:fld id="{CE58CB1E-F828-4F11-99E0-327109AF9DA4}" type="slidenum">
               <a:rPr lang="de-DE" smtClean="0"/>
               <a:pPr/>
-              <a:t>‹#›</a:t>
+              <a:t>‹Nr.›</a:t>
             </a:fld>
             <a:endParaRPr lang="de-DE" dirty="0"/>
           </a:p>
@@ -8239,7 +8239,7 @@
             <a:fld id="{CE58CB1E-F828-4F11-99E0-327109AF9DA4}" type="slidenum">
               <a:rPr lang="de-DE" smtClean="0"/>
               <a:pPr/>
-              <a:t>‹#›</a:t>
+              <a:t>‹Nr.›</a:t>
             </a:fld>
             <a:endParaRPr lang="de-DE" dirty="0"/>
           </a:p>
@@ -8836,7 +8836,7 @@
             <a:fld id="{CE58CB1E-F828-4F11-99E0-327109AF9DA4}" type="slidenum">
               <a:rPr lang="de-DE" smtClean="0"/>
               <a:pPr/>
-              <a:t>‹#›</a:t>
+              <a:t>‹Nr.›</a:t>
             </a:fld>
             <a:endParaRPr lang="de-DE" dirty="0"/>
           </a:p>
@@ -11865,8 +11865,8 @@
           </a:prstGeom>
         </p:spPr>
       </p:pic>
-      <mc:AlternateContent xmlns:mc="http://schemas.openxmlformats.org/markup-compatibility/2006">
-        <mc:Choice xmlns:a14="http://schemas.microsoft.com/office/drawing/2010/main" Requires="a14">
+      <mc:AlternateContent xmlns:mc="http://schemas.openxmlformats.org/markup-compatibility/2006" xmlns:a14="http://schemas.microsoft.com/office/drawing/2010/main">
+        <mc:Choice Requires="a14">
           <p:sp>
             <p:nvSpPr>
               <p:cNvPr id="25" name="TextBox 24">
@@ -12014,7 +12014,7 @@
             </p:txBody>
           </p:sp>
         </mc:Choice>
-        <mc:Fallback>
+        <mc:Fallback xmlns="">
           <p:sp>
             <p:nvSpPr>
               <p:cNvPr id="25" name="TextBox 24">
@@ -12059,8 +12059,8 @@
           </p:sp>
         </mc:Fallback>
       </mc:AlternateContent>
-      <mc:AlternateContent xmlns:mc="http://schemas.openxmlformats.org/markup-compatibility/2006">
-        <mc:Choice xmlns:a14="http://schemas.microsoft.com/office/drawing/2010/main" Requires="a14">
+      <mc:AlternateContent xmlns:mc="http://schemas.openxmlformats.org/markup-compatibility/2006" xmlns:a14="http://schemas.microsoft.com/office/drawing/2010/main">
+        <mc:Choice Requires="a14">
           <p:sp>
             <p:nvSpPr>
               <p:cNvPr id="27" name="TextBox 26">
@@ -12157,7 +12157,13 @@
                             <a:rPr lang="de-DE" altLang="zh-CN" b="0" i="1" smtClean="0">
                               <a:latin typeface="Cambria Math" panose="02040503050406030204" pitchFamily="18" charset="0"/>
                             </a:rPr>
-                            <m:t>1−</m:t>
+                            <m:t>1</m:t>
+                          </m:r>
+                          <m:r>
+                            <a:rPr lang="de-DE" altLang="zh-CN" b="0" i="1" smtClean="0">
+                              <a:latin typeface="Cambria Math" panose="02040503050406030204" pitchFamily="18" charset="0"/>
+                            </a:rPr>
+                            <m:t>−</m:t>
                           </m:r>
                           <m:func>
                             <m:funcPr>
@@ -12295,7 +12301,7 @@
             </p:txBody>
           </p:sp>
         </mc:Choice>
-        <mc:Fallback>
+        <mc:Fallback xmlns="">
           <p:sp>
             <p:nvSpPr>
               <p:cNvPr id="27" name="TextBox 26">
@@ -12516,9 +12522,9 @@
           <a:bodyPr/>
           <a:lstStyle/>
           <a:p>
-            <a:pPr marL="342900" indent="-342900">
-              <a:buFontTx/>
-              <a:buChar char="-"/>
+            <a:pPr marL="457200" indent="-457200">
+              <a:buFont typeface="Arial" panose="020B0604020202020204" pitchFamily="34" charset="0"/>
+              <a:buChar char="•"/>
             </a:pPr>
             <a:r>
               <a:rPr lang="de-DE" altLang="zh-CN" sz="2800" dirty="0">
@@ -12549,9 +12555,9 @@
             </a:r>
           </a:p>
           <a:p>
-            <a:pPr marL="342900" indent="-342900">
-              <a:buFontTx/>
-              <a:buChar char="-"/>
+            <a:pPr marL="457200" indent="-457200">
+              <a:buFont typeface="Arial" panose="020B0604020202020204" pitchFamily="34" charset="0"/>
+              <a:buChar char="•"/>
             </a:pPr>
             <a:r>
               <a:rPr lang="de-DE" altLang="zh-CN" sz="2800" dirty="0">
@@ -12579,9 +12585,9 @@
             </a:endParaRPr>
           </a:p>
           <a:p>
-            <a:pPr marL="342900" indent="-342900">
-              <a:buFontTx/>
-              <a:buChar char="-"/>
+            <a:pPr marL="457200" indent="-457200">
+              <a:buFont typeface="Arial" panose="020B0604020202020204" pitchFamily="34" charset="0"/>
+              <a:buChar char="•"/>
             </a:pPr>
             <a:r>
               <a:rPr lang="de-DE" altLang="zh-CN" sz="2800" dirty="0">
@@ -12609,9 +12615,9 @@
             </a:endParaRPr>
           </a:p>
           <a:p>
-            <a:pPr marL="342900" indent="-342900">
-              <a:buFontTx/>
-              <a:buChar char="-"/>
+            <a:pPr marL="457200" indent="-457200">
+              <a:buFont typeface="Arial" panose="020B0604020202020204" pitchFamily="34" charset="0"/>
+              <a:buChar char="•"/>
             </a:pPr>
             <a:r>
               <a:rPr lang="de-DE" altLang="zh-CN" sz="2800" dirty="0">
@@ -12868,7 +12874,7 @@
             </a:r>
             <a:r>
               <a:rPr dirty="0"/>
-              <a:t>, Armin Seyfried, and Andreas Schadschneider</a:t>
+              <a:t>, Armin Seyfried, and Andreas Schadschneider (2018)</a:t>
             </a:r>
           </a:p>
           <a:p>
@@ -12903,29 +12909,6 @@
               <a:t>3</a:t>
             </a:fld>
             <a:endParaRPr lang="de-DE" dirty="0"/>
-          </a:p>
-        </p:txBody>
-      </p:sp>
-      <p:sp>
-        <p:nvSpPr>
-          <p:cNvPr id="7" name="Fußzeilenplatzhalter 4"/>
-          <p:cNvSpPr>
-            <a:spLocks noGrp="1"/>
-          </p:cNvSpPr>
-          <p:nvPr>
-            <p:ph type="ftr" sz="quarter" idx="12"/>
-          </p:nvPr>
-        </p:nvSpPr>
-        <p:spPr/>
-        <p:txBody>
-          <a:bodyPr/>
-          <a:lstStyle/>
-          <a:p>
-            <a:r>
-              <a:rPr lang="de-DE"/>
-              <a:t>Dr. rer. nat. Erika Mustermann (TUM) | kann beliebig erweitert werden | Infos mit Strich trennen</a:t>
-            </a:r>
-            <a:endParaRPr lang="en-US" dirty="0"/>
           </a:p>
         </p:txBody>
       </p:sp>
@@ -13002,10 +12985,87 @@
           </a:prstGeom>
         </p:spPr>
       </p:pic>
+      <p:sp>
+        <p:nvSpPr>
+          <p:cNvPr id="5" name="文本框 12">
+            <a:extLst>
+              <a:ext uri="{FF2B5EF4-FFF2-40B4-BE49-F238E27FC236}">
+                <a16:creationId xmlns:a16="http://schemas.microsoft.com/office/drawing/2014/main" id="{654E4184-1358-33FA-E76F-83CED5FD218B}"/>
+              </a:ext>
+            </a:extLst>
+          </p:cNvPr>
+          <p:cNvSpPr txBox="1"/>
+          <p:nvPr/>
+        </p:nvSpPr>
+        <p:spPr>
+          <a:xfrm>
+            <a:off x="612371" y="6082898"/>
+            <a:ext cx="4370176" cy="415114"/>
+          </a:xfrm>
+          <a:prstGeom prst="rect">
+            <a:avLst/>
+          </a:prstGeom>
+          <a:noFill/>
+        </p:spPr>
+        <p:txBody>
+          <a:bodyPr wrap="square" lIns="0" tIns="0" rIns="0" bIns="0" rtlCol="0">
+            <a:spAutoFit/>
+          </a:bodyPr>
+          <a:lstStyle/>
+          <a:p>
+            <a:pPr>
+              <a:lnSpc>
+                <a:spcPct val="114000"/>
+              </a:lnSpc>
+            </a:pPr>
+            <a:r>
+              <a:rPr lang="en-US" altLang="zh-CN" sz="900" dirty="0" err="1">
+                <a:solidFill>
+                  <a:schemeClr val="accent6">
+                    <a:lumMod val="50000"/>
+                  </a:schemeClr>
+                </a:solidFill>
+                <a:latin typeface="+mn-lt"/>
+              </a:rPr>
+              <a:t>Tordeux</a:t>
+            </a:r>
+            <a:r>
+              <a:rPr lang="en-US" altLang="zh-CN" sz="900" dirty="0">
+                <a:solidFill>
+                  <a:schemeClr val="accent6">
+                    <a:lumMod val="50000"/>
+                  </a:schemeClr>
+                </a:solidFill>
+                <a:latin typeface="+mn-lt"/>
+              </a:rPr>
+              <a:t> A. et al. Prediction of pedestrian speed with artificial neural networks, 2018.</a:t>
+            </a:r>
+            <a:endParaRPr lang="en-US" altLang="zh-CN" sz="800" dirty="0">
+              <a:solidFill>
+                <a:schemeClr val="accent6">
+                  <a:lumMod val="50000"/>
+                </a:schemeClr>
+              </a:solidFill>
+              <a:effectLst/>
+              <a:latin typeface="+mn-lt"/>
+            </a:endParaRPr>
+          </a:p>
+          <a:p>
+            <a:pPr>
+              <a:lnSpc>
+                <a:spcPct val="114000"/>
+              </a:lnSpc>
+            </a:pPr>
+            <a:endParaRPr kumimoji="1" lang="zh-CN" altLang="en-US" sz="1600" dirty="0" err="1">
+              <a:latin typeface="+mn-lt"/>
+            </a:endParaRPr>
+          </a:p>
+        </p:txBody>
+      </p:sp>
     </p:spTree>
     <p:extLst>
       <p:ext uri="{BB962C8B-B14F-4D97-AF65-F5344CB8AC3E}">
-        <p14:creationId xmlns:p14="http://schemas.microsoft.com/office/powerpoint/2010/main" val="2605275188"/>
+        <p14:creationId xmlns:p14="http://schemas.microsoft.com/office/powerpoint/2010/main" val="332841702"/>
       </p:ext>
     </p:extLst>
   </p:cSld>
@@ -13177,29 +13237,6 @@
               <a:t>4</a:t>
             </a:fld>
             <a:endParaRPr lang="de-DE" dirty="0"/>
-          </a:p>
-        </p:txBody>
-      </p:sp>
-      <p:sp>
-        <p:nvSpPr>
-          <p:cNvPr id="7" name="Fußzeilenplatzhalter 4"/>
-          <p:cNvSpPr>
-            <a:spLocks noGrp="1"/>
-          </p:cNvSpPr>
-          <p:nvPr>
-            <p:ph type="ftr" sz="quarter" idx="12"/>
-          </p:nvPr>
-        </p:nvSpPr>
-        <p:spPr/>
-        <p:txBody>
-          <a:bodyPr/>
-          <a:lstStyle/>
-          <a:p>
-            <a:r>
-              <a:rPr lang="de-DE"/>
-              <a:t>Dr. rer. nat. Erika Mustermann (TUM) | kann beliebig erweitert werden | Infos mit Strich trennen</a:t>
-            </a:r>
-            <a:endParaRPr lang="en-US" dirty="0"/>
           </a:p>
         </p:txBody>
       </p:sp>
@@ -13314,10 +13351,223 @@
           </a:prstGeom>
         </p:spPr>
       </p:pic>
+      <p:sp>
+        <p:nvSpPr>
+          <p:cNvPr id="5" name="文本框 12">
+            <a:extLst>
+              <a:ext uri="{FF2B5EF4-FFF2-40B4-BE49-F238E27FC236}">
+                <a16:creationId xmlns:a16="http://schemas.microsoft.com/office/drawing/2014/main" id="{79A1A89B-C415-9129-C392-AF331298B53E}"/>
+              </a:ext>
+            </a:extLst>
+          </p:cNvPr>
+          <p:cNvSpPr txBox="1"/>
+          <p:nvPr/>
+        </p:nvSpPr>
+        <p:spPr>
+          <a:xfrm>
+            <a:off x="4941239" y="6159241"/>
+            <a:ext cx="3883670" cy="302519"/>
+          </a:xfrm>
+          <a:prstGeom prst="rect">
+            <a:avLst/>
+          </a:prstGeom>
+          <a:noFill/>
+        </p:spPr>
+        <p:txBody>
+          <a:bodyPr wrap="square" lIns="0" tIns="0" rIns="0" bIns="0" rtlCol="0">
+            <a:spAutoFit/>
+          </a:bodyPr>
+          <a:lstStyle/>
+          <a:p>
+            <a:pPr>
+              <a:lnSpc>
+                <a:spcPct val="114000"/>
+              </a:lnSpc>
+            </a:pPr>
+            <a:r>
+              <a:rPr lang="en-US" altLang="zh-CN" sz="900" dirty="0" err="1">
+                <a:solidFill>
+                  <a:schemeClr val="accent6">
+                    <a:lumMod val="50000"/>
+                  </a:schemeClr>
+                </a:solidFill>
+                <a:effectLst/>
+                <a:latin typeface="+mn-lt"/>
+              </a:rPr>
+              <a:t>Keip</a:t>
+            </a:r>
+            <a:r>
+              <a:rPr lang="en-US" altLang="zh-CN" sz="900" dirty="0">
+                <a:solidFill>
+                  <a:schemeClr val="accent6">
+                    <a:lumMod val="50000"/>
+                  </a:schemeClr>
+                </a:solidFill>
+                <a:effectLst/>
+                <a:latin typeface="+mn-lt"/>
+              </a:rPr>
+              <a:t> C, Ries K. </a:t>
+            </a:r>
+            <a:r>
+              <a:rPr lang="en-US" altLang="zh-CN" sz="900" dirty="0" err="1">
+                <a:solidFill>
+                  <a:schemeClr val="accent6">
+                    <a:lumMod val="50000"/>
+                  </a:schemeClr>
+                </a:solidFill>
+                <a:effectLst/>
+                <a:latin typeface="+mn-lt"/>
+              </a:rPr>
+              <a:t>Dokumentation</a:t>
+            </a:r>
+            <a:r>
+              <a:rPr lang="en-US" altLang="zh-CN" sz="900" dirty="0">
+                <a:solidFill>
+                  <a:schemeClr val="accent6">
+                    <a:lumMod val="50000"/>
+                  </a:schemeClr>
+                </a:solidFill>
+                <a:effectLst/>
+                <a:latin typeface="+mn-lt"/>
+              </a:rPr>
+              <a:t> von </a:t>
+            </a:r>
+            <a:r>
+              <a:rPr lang="en-US" altLang="zh-CN" sz="900" dirty="0" err="1">
+                <a:solidFill>
+                  <a:schemeClr val="accent6">
+                    <a:lumMod val="50000"/>
+                  </a:schemeClr>
+                </a:solidFill>
+                <a:effectLst/>
+                <a:latin typeface="+mn-lt"/>
+              </a:rPr>
+              <a:t>Versuchen</a:t>
+            </a:r>
+            <a:r>
+              <a:rPr lang="en-US" altLang="zh-CN" sz="900" dirty="0">
+                <a:solidFill>
+                  <a:schemeClr val="accent6">
+                    <a:lumMod val="50000"/>
+                  </a:schemeClr>
+                </a:solidFill>
+                <a:effectLst/>
+                <a:latin typeface="+mn-lt"/>
+              </a:rPr>
+              <a:t> </a:t>
+            </a:r>
+            <a:r>
+              <a:rPr lang="en-US" altLang="zh-CN" sz="900" dirty="0" err="1">
+                <a:solidFill>
+                  <a:schemeClr val="accent6">
+                    <a:lumMod val="50000"/>
+                  </a:schemeClr>
+                </a:solidFill>
+                <a:effectLst/>
+                <a:latin typeface="+mn-lt"/>
+              </a:rPr>
+              <a:t>zur</a:t>
+            </a:r>
+            <a:r>
+              <a:rPr lang="en-US" altLang="zh-CN" sz="900" dirty="0">
+                <a:solidFill>
+                  <a:schemeClr val="accent6">
+                    <a:lumMod val="50000"/>
+                  </a:schemeClr>
+                </a:solidFill>
+                <a:effectLst/>
+                <a:latin typeface="+mn-lt"/>
+              </a:rPr>
+              <a:t> </a:t>
+            </a:r>
+            <a:r>
+              <a:rPr lang="en-US" altLang="zh-CN" sz="900" dirty="0" err="1">
+                <a:solidFill>
+                  <a:schemeClr val="accent6">
+                    <a:lumMod val="50000"/>
+                  </a:schemeClr>
+                </a:solidFill>
+                <a:effectLst/>
+                <a:latin typeface="+mn-lt"/>
+              </a:rPr>
+              <a:t>Personenstromdynamik</a:t>
+            </a:r>
+            <a:r>
+              <a:rPr lang="en-US" altLang="zh-CN" sz="900" dirty="0">
+                <a:solidFill>
+                  <a:schemeClr val="accent6">
+                    <a:lumMod val="50000"/>
+                  </a:schemeClr>
+                </a:solidFill>
+                <a:effectLst/>
+                <a:latin typeface="+mn-lt"/>
+              </a:rPr>
+              <a:t> “[J]. Project Hermes, </a:t>
+            </a:r>
+            <a:r>
+              <a:rPr lang="en-US" altLang="zh-CN" sz="900" dirty="0" err="1">
+                <a:solidFill>
+                  <a:schemeClr val="accent6">
+                    <a:lumMod val="50000"/>
+                  </a:schemeClr>
+                </a:solidFill>
+                <a:effectLst/>
+                <a:latin typeface="+mn-lt"/>
+              </a:rPr>
+              <a:t>Bergische</a:t>
+            </a:r>
+            <a:r>
+              <a:rPr lang="en-US" altLang="zh-CN" sz="900" dirty="0">
+                <a:solidFill>
+                  <a:schemeClr val="accent6">
+                    <a:lumMod val="50000"/>
+                  </a:schemeClr>
+                </a:solidFill>
+                <a:effectLst/>
+                <a:latin typeface="+mn-lt"/>
+              </a:rPr>
+              <a:t> </a:t>
+            </a:r>
+            <a:r>
+              <a:rPr lang="en-US" altLang="zh-CN" sz="900" dirty="0" err="1">
+                <a:solidFill>
+                  <a:schemeClr val="accent6">
+                    <a:lumMod val="50000"/>
+                  </a:schemeClr>
+                </a:solidFill>
+                <a:effectLst/>
+                <a:latin typeface="+mn-lt"/>
+              </a:rPr>
+              <a:t>Universit</a:t>
+            </a:r>
+            <a:r>
+              <a:rPr lang="en-US" altLang="zh-CN" sz="900" dirty="0">
+                <a:solidFill>
+                  <a:schemeClr val="accent6">
+                    <a:lumMod val="50000"/>
+                  </a:schemeClr>
+                </a:solidFill>
+                <a:effectLst/>
+                <a:latin typeface="+mn-lt"/>
+              </a:rPr>
+              <a:t> ̈at Wuppertal, Tech. Rep, 2009. </a:t>
+            </a:r>
+            <a:endParaRPr lang="en-US" altLang="zh-CN" sz="800" dirty="0">
+              <a:solidFill>
+                <a:schemeClr val="accent6">
+                  <a:lumMod val="50000"/>
+                </a:schemeClr>
+              </a:solidFill>
+              <a:effectLst/>
+              <a:latin typeface="+mn-lt"/>
+            </a:endParaRPr>
+          </a:p>
+        </p:txBody>
+      </p:sp>
     </p:spTree>
     <p:extLst>
       <p:ext uri="{BB962C8B-B14F-4D97-AF65-F5344CB8AC3E}">
-        <p14:creationId xmlns:p14="http://schemas.microsoft.com/office/powerpoint/2010/main" val="3250269590"/>
+        <p14:creationId xmlns:p14="http://schemas.microsoft.com/office/powerpoint/2010/main" val="3658990413"/>
       </p:ext>
     </p:extLst>
   </p:cSld>
@@ -13387,29 +13637,6 @@
               <a:t>5</a:t>
             </a:fld>
             <a:endParaRPr lang="de-DE" dirty="0"/>
-          </a:p>
-        </p:txBody>
-      </p:sp>
-      <p:sp>
-        <p:nvSpPr>
-          <p:cNvPr id="7" name="Fußzeilenplatzhalter 4"/>
-          <p:cNvSpPr>
-            <a:spLocks noGrp="1"/>
-          </p:cNvSpPr>
-          <p:nvPr>
-            <p:ph type="ftr" sz="quarter" idx="12"/>
-          </p:nvPr>
-        </p:nvSpPr>
-        <p:spPr/>
-        <p:txBody>
-          <a:bodyPr/>
-          <a:lstStyle/>
-          <a:p>
-            <a:r>
-              <a:rPr lang="de-DE"/>
-              <a:t>Dr. rer. nat. Erika Mustermann (TUM) | kann beliebig erweitert werden | Infos mit Strich trennen</a:t>
-            </a:r>
-            <a:endParaRPr lang="en-US" dirty="0"/>
           </a:p>
         </p:txBody>
       </p:sp>
@@ -13494,10 +13721,87 @@
           </a:prstGeom>
         </p:spPr>
       </p:pic>
+      <p:sp>
+        <p:nvSpPr>
+          <p:cNvPr id="5" name="文本框 12">
+            <a:extLst>
+              <a:ext uri="{FF2B5EF4-FFF2-40B4-BE49-F238E27FC236}">
+                <a16:creationId xmlns:a16="http://schemas.microsoft.com/office/drawing/2014/main" id="{7982FF95-F43A-2345-8634-17A2C82B87E3}"/>
+              </a:ext>
+            </a:extLst>
+          </p:cNvPr>
+          <p:cNvSpPr txBox="1"/>
+          <p:nvPr/>
+        </p:nvSpPr>
+        <p:spPr>
+          <a:xfrm>
+            <a:off x="631032" y="6353421"/>
+            <a:ext cx="4370176" cy="415114"/>
+          </a:xfrm>
+          <a:prstGeom prst="rect">
+            <a:avLst/>
+          </a:prstGeom>
+          <a:noFill/>
+        </p:spPr>
+        <p:txBody>
+          <a:bodyPr wrap="square" lIns="0" tIns="0" rIns="0" bIns="0" rtlCol="0">
+            <a:spAutoFit/>
+          </a:bodyPr>
+          <a:lstStyle/>
+          <a:p>
+            <a:pPr>
+              <a:lnSpc>
+                <a:spcPct val="114000"/>
+              </a:lnSpc>
+            </a:pPr>
+            <a:r>
+              <a:rPr lang="en-US" altLang="zh-CN" sz="900" dirty="0" err="1">
+                <a:solidFill>
+                  <a:schemeClr val="accent6">
+                    <a:lumMod val="50000"/>
+                  </a:schemeClr>
+                </a:solidFill>
+                <a:latin typeface="+mn-lt"/>
+              </a:rPr>
+              <a:t>Tordeux</a:t>
+            </a:r>
+            <a:r>
+              <a:rPr lang="en-US" altLang="zh-CN" sz="900" dirty="0">
+                <a:solidFill>
+                  <a:schemeClr val="accent6">
+                    <a:lumMod val="50000"/>
+                  </a:schemeClr>
+                </a:solidFill>
+                <a:latin typeface="+mn-lt"/>
+              </a:rPr>
+              <a:t> A. et al. Prediction of pedestrian speed with artificial neural networks, 2018.</a:t>
+            </a:r>
+            <a:endParaRPr lang="en-US" altLang="zh-CN" sz="800" dirty="0">
+              <a:solidFill>
+                <a:schemeClr val="accent6">
+                  <a:lumMod val="50000"/>
+                </a:schemeClr>
+              </a:solidFill>
+              <a:effectLst/>
+              <a:latin typeface="+mn-lt"/>
+            </a:endParaRPr>
+          </a:p>
+          <a:p>
+            <a:pPr>
+              <a:lnSpc>
+                <a:spcPct val="114000"/>
+              </a:lnSpc>
+            </a:pPr>
+            <a:endParaRPr kumimoji="1" lang="zh-CN" altLang="en-US" sz="1600" dirty="0" err="1">
+              <a:latin typeface="+mn-lt"/>
+            </a:endParaRPr>
+          </a:p>
+        </p:txBody>
+      </p:sp>
     </p:spTree>
     <p:extLst>
       <p:ext uri="{BB962C8B-B14F-4D97-AF65-F5344CB8AC3E}">
-        <p14:creationId xmlns:p14="http://schemas.microsoft.com/office/powerpoint/2010/main" val="900650166"/>
+        <p14:creationId xmlns:p14="http://schemas.microsoft.com/office/powerpoint/2010/main" val="57064166"/>
       </p:ext>
     </p:extLst>
   </p:cSld>
@@ -13609,7 +13913,13 @@
                             <a:rPr lang="de-DE" b="0" i="1" smtClean="0">
                               <a:latin typeface="Cambria Math" panose="02040503050406030204" pitchFamily="18" charset="0"/>
                             </a:rPr>
-                            <m:t>1−</m:t>
+                            <m:t>1</m:t>
+                          </m:r>
+                          <m:r>
+                            <a:rPr lang="de-DE" b="0" i="1" smtClean="0">
+                              <a:latin typeface="Cambria Math" panose="02040503050406030204" pitchFamily="18" charset="0"/>
+                            </a:rPr>
+                            <m:t>−</m:t>
                           </m:r>
                           <m:func>
                             <m:funcPr>
@@ -14116,29 +14426,6 @@
       </p:sp>
       <p:sp>
         <p:nvSpPr>
-          <p:cNvPr id="7" name="Fußzeilenplatzhalter 4"/>
-          <p:cNvSpPr>
-            <a:spLocks noGrp="1"/>
-          </p:cNvSpPr>
-          <p:nvPr>
-            <p:ph type="ftr" sz="quarter" idx="12"/>
-          </p:nvPr>
-        </p:nvSpPr>
-        <p:spPr/>
-        <p:txBody>
-          <a:bodyPr/>
-          <a:lstStyle/>
-          <a:p>
-            <a:r>
-              <a:rPr lang="de-DE"/>
-              <a:t>Dr. rer. nat. Erika Mustermann (TUM) | kann beliebig erweitert werden | Infos mit Strich trennen</a:t>
-            </a:r>
-            <a:endParaRPr lang="en-US" dirty="0"/>
-          </a:p>
-        </p:txBody>
-      </p:sp>
-      <p:sp>
-        <p:nvSpPr>
           <p:cNvPr id="3" name="Titel 2"/>
           <p:cNvSpPr>
             <a:spLocks noGrp="1"/>
@@ -14191,7 +14478,7 @@
     </p:spTree>
     <p:extLst>
       <p:ext uri="{BB962C8B-B14F-4D97-AF65-F5344CB8AC3E}">
-        <p14:creationId xmlns:p14="http://schemas.microsoft.com/office/powerpoint/2010/main" val="2762957640"/>
+        <p14:creationId xmlns:p14="http://schemas.microsoft.com/office/powerpoint/2010/main" val="2122521799"/>
       </p:ext>
     </p:extLst>
   </p:cSld>
@@ -14261,29 +14548,6 @@
               <a:t>7</a:t>
             </a:fld>
             <a:endParaRPr lang="de-DE" dirty="0"/>
-          </a:p>
-        </p:txBody>
-      </p:sp>
-      <p:sp>
-        <p:nvSpPr>
-          <p:cNvPr id="7" name="Fußzeilenplatzhalter 4"/>
-          <p:cNvSpPr>
-            <a:spLocks noGrp="1"/>
-          </p:cNvSpPr>
-          <p:nvPr>
-            <p:ph type="ftr" sz="quarter" idx="12"/>
-          </p:nvPr>
-        </p:nvSpPr>
-        <p:spPr/>
-        <p:txBody>
-          <a:bodyPr/>
-          <a:lstStyle/>
-          <a:p>
-            <a:r>
-              <a:rPr lang="de-DE"/>
-              <a:t>Dr. rer. nat. Erika Mustermann (TUM) | kann beliebig erweitert werden | Infos mit Strich trennen</a:t>
-            </a:r>
-            <a:endParaRPr lang="en-US" dirty="0"/>
           </a:p>
         </p:txBody>
       </p:sp>
@@ -14376,10 +14640,87 @@
           </a:prstGeom>
         </p:spPr>
       </p:pic>
+      <p:sp>
+        <p:nvSpPr>
+          <p:cNvPr id="5" name="文本框 12">
+            <a:extLst>
+              <a:ext uri="{FF2B5EF4-FFF2-40B4-BE49-F238E27FC236}">
+                <a16:creationId xmlns:a16="http://schemas.microsoft.com/office/drawing/2014/main" id="{9F8CE659-2F7F-D938-A66A-2484737D6A9F}"/>
+              </a:ext>
+            </a:extLst>
+          </p:cNvPr>
+          <p:cNvSpPr txBox="1"/>
+          <p:nvPr/>
+        </p:nvSpPr>
+        <p:spPr>
+          <a:xfrm>
+            <a:off x="631032" y="6353421"/>
+            <a:ext cx="4370176" cy="415114"/>
+          </a:xfrm>
+          <a:prstGeom prst="rect">
+            <a:avLst/>
+          </a:prstGeom>
+          <a:noFill/>
+        </p:spPr>
+        <p:txBody>
+          <a:bodyPr wrap="square" lIns="0" tIns="0" rIns="0" bIns="0" rtlCol="0">
+            <a:spAutoFit/>
+          </a:bodyPr>
+          <a:lstStyle/>
+          <a:p>
+            <a:pPr>
+              <a:lnSpc>
+                <a:spcPct val="114000"/>
+              </a:lnSpc>
+            </a:pPr>
+            <a:r>
+              <a:rPr lang="en-US" altLang="zh-CN" sz="900" dirty="0" err="1">
+                <a:solidFill>
+                  <a:schemeClr val="accent6">
+                    <a:lumMod val="50000"/>
+                  </a:schemeClr>
+                </a:solidFill>
+                <a:latin typeface="+mn-lt"/>
+              </a:rPr>
+              <a:t>Tordeux</a:t>
+            </a:r>
+            <a:r>
+              <a:rPr lang="en-US" altLang="zh-CN" sz="900" dirty="0">
+                <a:solidFill>
+                  <a:schemeClr val="accent6">
+                    <a:lumMod val="50000"/>
+                  </a:schemeClr>
+                </a:solidFill>
+                <a:latin typeface="+mn-lt"/>
+              </a:rPr>
+              <a:t> A. et al. Prediction of pedestrian speed with artificial neural networks, 2018.</a:t>
+            </a:r>
+            <a:endParaRPr lang="en-US" altLang="zh-CN" sz="800" dirty="0">
+              <a:solidFill>
+                <a:schemeClr val="accent6">
+                  <a:lumMod val="50000"/>
+                </a:schemeClr>
+              </a:solidFill>
+              <a:effectLst/>
+              <a:latin typeface="+mn-lt"/>
+            </a:endParaRPr>
+          </a:p>
+          <a:p>
+            <a:pPr>
+              <a:lnSpc>
+                <a:spcPct val="114000"/>
+              </a:lnSpc>
+            </a:pPr>
+            <a:endParaRPr kumimoji="1" lang="zh-CN" altLang="en-US" sz="1600" dirty="0" err="1">
+              <a:latin typeface="+mn-lt"/>
+            </a:endParaRPr>
+          </a:p>
+        </p:txBody>
+      </p:sp>
     </p:spTree>
     <p:extLst>
       <p:ext uri="{BB962C8B-B14F-4D97-AF65-F5344CB8AC3E}">
-        <p14:creationId xmlns:p14="http://schemas.microsoft.com/office/powerpoint/2010/main" val="3322232264"/>
+        <p14:creationId xmlns:p14="http://schemas.microsoft.com/office/powerpoint/2010/main" val="3545017156"/>
       </p:ext>
     </p:extLst>
   </p:cSld>
@@ -14449,29 +14790,6 @@
               <a:t>8</a:t>
             </a:fld>
             <a:endParaRPr lang="de-DE" dirty="0"/>
-          </a:p>
-        </p:txBody>
-      </p:sp>
-      <p:sp>
-        <p:nvSpPr>
-          <p:cNvPr id="7" name="Fußzeilenplatzhalter 4"/>
-          <p:cNvSpPr>
-            <a:spLocks noGrp="1"/>
-          </p:cNvSpPr>
-          <p:nvPr>
-            <p:ph type="ftr" sz="quarter" idx="12"/>
-          </p:nvPr>
-        </p:nvSpPr>
-        <p:spPr/>
-        <p:txBody>
-          <a:bodyPr/>
-          <a:lstStyle/>
-          <a:p>
-            <a:r>
-              <a:rPr lang="de-DE"/>
-              <a:t>Dr. rer. nat. Erika Mustermann (TUM) | kann beliebig erweitert werden | Infos mit Strich trennen</a:t>
-            </a:r>
-            <a:endParaRPr lang="en-US" dirty="0"/>
           </a:p>
         </p:txBody>
       </p:sp>
@@ -14564,10 +14882,87 @@
           </a:prstGeom>
         </p:spPr>
       </p:pic>
+      <p:sp>
+        <p:nvSpPr>
+          <p:cNvPr id="5" name="文本框 12">
+            <a:extLst>
+              <a:ext uri="{FF2B5EF4-FFF2-40B4-BE49-F238E27FC236}">
+                <a16:creationId xmlns:a16="http://schemas.microsoft.com/office/drawing/2014/main" id="{1C1702D5-C729-301F-F3B3-14A5D54F42E9}"/>
+              </a:ext>
+            </a:extLst>
+          </p:cNvPr>
+          <p:cNvSpPr txBox="1"/>
+          <p:nvPr/>
+        </p:nvSpPr>
+        <p:spPr>
+          <a:xfrm>
+            <a:off x="631032" y="6353421"/>
+            <a:ext cx="4370176" cy="415114"/>
+          </a:xfrm>
+          <a:prstGeom prst="rect">
+            <a:avLst/>
+          </a:prstGeom>
+          <a:noFill/>
+        </p:spPr>
+        <p:txBody>
+          <a:bodyPr wrap="square" lIns="0" tIns="0" rIns="0" bIns="0" rtlCol="0">
+            <a:spAutoFit/>
+          </a:bodyPr>
+          <a:lstStyle/>
+          <a:p>
+            <a:pPr>
+              <a:lnSpc>
+                <a:spcPct val="114000"/>
+              </a:lnSpc>
+            </a:pPr>
+            <a:r>
+              <a:rPr lang="en-US" altLang="zh-CN" sz="900" dirty="0" err="1">
+                <a:solidFill>
+                  <a:schemeClr val="accent6">
+                    <a:lumMod val="50000"/>
+                  </a:schemeClr>
+                </a:solidFill>
+                <a:latin typeface="+mn-lt"/>
+              </a:rPr>
+              <a:t>Tordeux</a:t>
+            </a:r>
+            <a:r>
+              <a:rPr lang="en-US" altLang="zh-CN" sz="900" dirty="0">
+                <a:solidFill>
+                  <a:schemeClr val="accent6">
+                    <a:lumMod val="50000"/>
+                  </a:schemeClr>
+                </a:solidFill>
+                <a:latin typeface="+mn-lt"/>
+              </a:rPr>
+              <a:t> A. et al. Prediction of pedestrian speed with artificial neural networks, 2018.</a:t>
+            </a:r>
+            <a:endParaRPr lang="en-US" altLang="zh-CN" sz="800" dirty="0">
+              <a:solidFill>
+                <a:schemeClr val="accent6">
+                  <a:lumMod val="50000"/>
+                </a:schemeClr>
+              </a:solidFill>
+              <a:effectLst/>
+              <a:latin typeface="+mn-lt"/>
+            </a:endParaRPr>
+          </a:p>
+          <a:p>
+            <a:pPr>
+              <a:lnSpc>
+                <a:spcPct val="114000"/>
+              </a:lnSpc>
+            </a:pPr>
+            <a:endParaRPr kumimoji="1" lang="zh-CN" altLang="en-US" sz="1600" dirty="0" err="1">
+              <a:latin typeface="+mn-lt"/>
+            </a:endParaRPr>
+          </a:p>
+        </p:txBody>
+      </p:sp>
     </p:spTree>
     <p:extLst>
       <p:ext uri="{BB962C8B-B14F-4D97-AF65-F5344CB8AC3E}">
-        <p14:creationId xmlns:p14="http://schemas.microsoft.com/office/powerpoint/2010/main" val="1086855037"/>
+        <p14:creationId xmlns:p14="http://schemas.microsoft.com/office/powerpoint/2010/main" val="2520876529"/>
       </p:ext>
     </p:extLst>
   </p:cSld>
@@ -14637,29 +15032,6 @@
               <a:t>9</a:t>
             </a:fld>
             <a:endParaRPr lang="de-DE" dirty="0"/>
-          </a:p>
-        </p:txBody>
-      </p:sp>
-      <p:sp>
-        <p:nvSpPr>
-          <p:cNvPr id="7" name="Fußzeilenplatzhalter 4"/>
-          <p:cNvSpPr>
-            <a:spLocks noGrp="1"/>
-          </p:cNvSpPr>
-          <p:nvPr>
-            <p:ph type="ftr" sz="quarter" idx="12"/>
-          </p:nvPr>
-        </p:nvSpPr>
-        <p:spPr/>
-        <p:txBody>
-          <a:bodyPr/>
-          <a:lstStyle/>
-          <a:p>
-            <a:r>
-              <a:rPr lang="de-DE"/>
-              <a:t>Dr. rer. nat. Erika Mustermann (TUM) | kann beliebig erweitert werden | Infos mit Strich trennen</a:t>
-            </a:r>
-            <a:endParaRPr lang="en-US" dirty="0"/>
           </a:p>
         </p:txBody>
       </p:sp>
@@ -14752,10 +15124,87 @@
           </a:prstGeom>
         </p:spPr>
       </p:pic>
+      <p:sp>
+        <p:nvSpPr>
+          <p:cNvPr id="5" name="文本框 12">
+            <a:extLst>
+              <a:ext uri="{FF2B5EF4-FFF2-40B4-BE49-F238E27FC236}">
+                <a16:creationId xmlns:a16="http://schemas.microsoft.com/office/drawing/2014/main" id="{B94BDE42-7CDF-0340-4F09-8558E5EB7883}"/>
+              </a:ext>
+            </a:extLst>
+          </p:cNvPr>
+          <p:cNvSpPr txBox="1"/>
+          <p:nvPr/>
+        </p:nvSpPr>
+        <p:spPr>
+          <a:xfrm>
+            <a:off x="631032" y="6353421"/>
+            <a:ext cx="4370176" cy="415114"/>
+          </a:xfrm>
+          <a:prstGeom prst="rect">
+            <a:avLst/>
+          </a:prstGeom>
+          <a:noFill/>
+        </p:spPr>
+        <p:txBody>
+          <a:bodyPr wrap="square" lIns="0" tIns="0" rIns="0" bIns="0" rtlCol="0">
+            <a:spAutoFit/>
+          </a:bodyPr>
+          <a:lstStyle/>
+          <a:p>
+            <a:pPr>
+              <a:lnSpc>
+                <a:spcPct val="114000"/>
+              </a:lnSpc>
+            </a:pPr>
+            <a:r>
+              <a:rPr lang="en-US" altLang="zh-CN" sz="900" dirty="0" err="1">
+                <a:solidFill>
+                  <a:schemeClr val="accent6">
+                    <a:lumMod val="50000"/>
+                  </a:schemeClr>
+                </a:solidFill>
+                <a:latin typeface="+mn-lt"/>
+              </a:rPr>
+              <a:t>Tordeux</a:t>
+            </a:r>
+            <a:r>
+              <a:rPr lang="en-US" altLang="zh-CN" sz="900" dirty="0">
+                <a:solidFill>
+                  <a:schemeClr val="accent6">
+                    <a:lumMod val="50000"/>
+                  </a:schemeClr>
+                </a:solidFill>
+                <a:latin typeface="+mn-lt"/>
+              </a:rPr>
+              <a:t> A. et al. Prediction of pedestrian speed with artificial neural networks, 2018.</a:t>
+            </a:r>
+            <a:endParaRPr lang="en-US" altLang="zh-CN" sz="800" dirty="0">
+              <a:solidFill>
+                <a:schemeClr val="accent6">
+                  <a:lumMod val="50000"/>
+                </a:schemeClr>
+              </a:solidFill>
+              <a:effectLst/>
+              <a:latin typeface="+mn-lt"/>
+            </a:endParaRPr>
+          </a:p>
+          <a:p>
+            <a:pPr>
+              <a:lnSpc>
+                <a:spcPct val="114000"/>
+              </a:lnSpc>
+            </a:pPr>
+            <a:endParaRPr kumimoji="1" lang="zh-CN" altLang="en-US" sz="1600" dirty="0" err="1">
+              <a:latin typeface="+mn-lt"/>
+            </a:endParaRPr>
+          </a:p>
+        </p:txBody>
+      </p:sp>
     </p:spTree>
     <p:extLst>
       <p:ext uri="{BB962C8B-B14F-4D97-AF65-F5344CB8AC3E}">
-        <p14:creationId xmlns:p14="http://schemas.microsoft.com/office/powerpoint/2010/main" val="232549919"/>
+        <p14:creationId xmlns:p14="http://schemas.microsoft.com/office/powerpoint/2010/main" val="4249513080"/>
       </p:ext>
     </p:extLst>
   </p:cSld>

--- a/final project/Part_1-2-4.pptx
+++ b/final project/Part_1-2-4.pptx
@@ -302,7 +302,7 @@
               <a:pPr>
                 <a:defRPr/>
               </a:pPr>
-              <a:t>07/07/2024</a:t>
+              <a:t>08/07/2024</a:t>
             </a:fld>
             <a:endParaRPr lang="en-GB" dirty="0"/>
           </a:p>
@@ -395,7 +395,7 @@
               <a:pPr>
                 <a:defRPr/>
               </a:pPr>
-              <a:t>‹Nr.›</a:t>
+              <a:t>‹#›</a:t>
             </a:fld>
             <a:endParaRPr lang="en-GB"/>
           </a:p>
@@ -521,7 +521,7 @@
               <a:pPr>
                 <a:defRPr/>
               </a:pPr>
-              <a:t>07/07/2024</a:t>
+              <a:t>08/07/2024</a:t>
             </a:fld>
             <a:endParaRPr lang="en-GB"/>
           </a:p>
@@ -713,7 +713,7 @@
               <a:pPr>
                 <a:defRPr/>
               </a:pPr>
-              <a:t>‹Nr.›</a:t>
+              <a:t>‹#›</a:t>
             </a:fld>
             <a:endParaRPr lang="en-GB"/>
           </a:p>
@@ -1109,7 +1109,7 @@
             <a:fld id="{CE58CB1E-F828-4F11-99E0-327109AF9DA4}" type="slidenum">
               <a:rPr lang="de-DE" smtClean="0"/>
               <a:pPr/>
-              <a:t>‹Nr.›</a:t>
+              <a:t>‹#›</a:t>
             </a:fld>
             <a:endParaRPr lang="de-DE" dirty="0"/>
           </a:p>
@@ -1270,7 +1270,7 @@
             <a:fld id="{CE58CB1E-F828-4F11-99E0-327109AF9DA4}" type="slidenum">
               <a:rPr lang="de-DE" smtClean="0"/>
               <a:pPr/>
-              <a:t>‹Nr.›</a:t>
+              <a:t>‹#›</a:t>
             </a:fld>
             <a:endParaRPr lang="de-DE" dirty="0"/>
           </a:p>
@@ -1489,7 +1489,7 @@
             <a:fld id="{CE58CB1E-F828-4F11-99E0-327109AF9DA4}" type="slidenum">
               <a:rPr lang="de-DE" smtClean="0"/>
               <a:pPr/>
-              <a:t>‹Nr.›</a:t>
+              <a:t>‹#›</a:t>
             </a:fld>
             <a:endParaRPr lang="de-DE" dirty="0"/>
           </a:p>
@@ -1834,7 +1834,7 @@
             <a:fld id="{CE58CB1E-F828-4F11-99E0-327109AF9DA4}" type="slidenum">
               <a:rPr lang="de-DE" smtClean="0"/>
               <a:pPr/>
-              <a:t>‹Nr.›</a:t>
+              <a:t>‹#›</a:t>
             </a:fld>
             <a:endParaRPr lang="de-DE" dirty="0"/>
           </a:p>
@@ -2033,7 +2033,7 @@
             <a:fld id="{CE58CB1E-F828-4F11-99E0-327109AF9DA4}" type="slidenum">
               <a:rPr lang="de-DE" smtClean="0"/>
               <a:pPr/>
-              <a:t>‹Nr.›</a:t>
+              <a:t>‹#›</a:t>
             </a:fld>
             <a:endParaRPr lang="de-DE" dirty="0"/>
           </a:p>
@@ -2232,7 +2232,7 @@
             <a:fld id="{CE58CB1E-F828-4F11-99E0-327109AF9DA4}" type="slidenum">
               <a:rPr lang="de-DE" smtClean="0"/>
               <a:pPr/>
-              <a:t>‹Nr.›</a:t>
+              <a:t>‹#›</a:t>
             </a:fld>
             <a:endParaRPr lang="de-DE" dirty="0"/>
           </a:p>
@@ -2553,7 +2553,7 @@
             <a:fld id="{CE58CB1E-F828-4F11-99E0-327109AF9DA4}" type="slidenum">
               <a:rPr lang="de-DE" smtClean="0"/>
               <a:pPr/>
-              <a:t>‹Nr.›</a:t>
+              <a:t>‹#›</a:t>
             </a:fld>
             <a:endParaRPr lang="de-DE" dirty="0"/>
           </a:p>
@@ -2729,7 +2729,7 @@
             <a:fld id="{CE58CB1E-F828-4F11-99E0-327109AF9DA4}" type="slidenum">
               <a:rPr lang="de-DE" smtClean="0"/>
               <a:pPr/>
-              <a:t>‹Nr.›</a:t>
+              <a:t>‹#›</a:t>
             </a:fld>
             <a:endParaRPr lang="de-DE" dirty="0"/>
           </a:p>
@@ -3044,7 +3044,7 @@
             <a:fld id="{CE58CB1E-F828-4F11-99E0-327109AF9DA4}" type="slidenum">
               <a:rPr lang="de-DE" smtClean="0"/>
               <a:pPr/>
-              <a:t>‹Nr.›</a:t>
+              <a:t>‹#›</a:t>
             </a:fld>
             <a:endParaRPr lang="de-DE" dirty="0"/>
           </a:p>
@@ -3316,7 +3316,7 @@
             <a:fld id="{CE58CB1E-F828-4F11-99E0-327109AF9DA4}" type="slidenum">
               <a:rPr lang="de-DE" smtClean="0"/>
               <a:pPr/>
-              <a:t>‹Nr.›</a:t>
+              <a:t>‹#›</a:t>
             </a:fld>
             <a:endParaRPr lang="de-DE" dirty="0"/>
           </a:p>
@@ -3503,7 +3503,7 @@
             <a:fld id="{CE58CB1E-F828-4F11-99E0-327109AF9DA4}" type="slidenum">
               <a:rPr lang="de-DE" smtClean="0"/>
               <a:pPr/>
-              <a:t>‹Nr.›</a:t>
+              <a:t>‹#›</a:t>
             </a:fld>
             <a:endParaRPr lang="de-DE" dirty="0"/>
           </a:p>
@@ -3702,7 +3702,7 @@
             <a:fld id="{CE58CB1E-F828-4F11-99E0-327109AF9DA4}" type="slidenum">
               <a:rPr lang="de-DE" smtClean="0"/>
               <a:pPr/>
-              <a:t>‹Nr.›</a:t>
+              <a:t>‹#›</a:t>
             </a:fld>
             <a:endParaRPr lang="de-DE" dirty="0"/>
           </a:p>
@@ -3901,7 +3901,7 @@
             <a:fld id="{CE58CB1E-F828-4F11-99E0-327109AF9DA4}" type="slidenum">
               <a:rPr lang="de-DE" smtClean="0"/>
               <a:pPr/>
-              <a:t>‹Nr.›</a:t>
+              <a:t>‹#›</a:t>
             </a:fld>
             <a:endParaRPr lang="de-DE" dirty="0"/>
           </a:p>
@@ -3986,7 +3986,7 @@
             <a:fld id="{CE58CB1E-F828-4F11-99E0-327109AF9DA4}" type="slidenum">
               <a:rPr lang="de-DE" smtClean="0"/>
               <a:pPr/>
-              <a:t>‹Nr.›</a:t>
+              <a:t>‹#›</a:t>
             </a:fld>
             <a:endParaRPr lang="de-DE" dirty="0"/>
           </a:p>
@@ -4267,7 +4267,7 @@
             <a:fld id="{CE58CB1E-F828-4F11-99E0-327109AF9DA4}" type="slidenum">
               <a:rPr lang="de-DE" smtClean="0"/>
               <a:pPr/>
-              <a:t>‹Nr.›</a:t>
+              <a:t>‹#›</a:t>
             </a:fld>
             <a:endParaRPr lang="de-DE" dirty="0"/>
           </a:p>
@@ -4478,7 +4478,7 @@
             <a:fld id="{CE58CB1E-F828-4F11-99E0-327109AF9DA4}" type="slidenum">
               <a:rPr lang="de-DE" smtClean="0"/>
               <a:pPr/>
-              <a:t>‹Nr.›</a:t>
+              <a:t>‹#›</a:t>
             </a:fld>
             <a:endParaRPr lang="de-DE" dirty="0"/>
           </a:p>
@@ -4677,7 +4677,7 @@
             <a:fld id="{CE58CB1E-F828-4F11-99E0-327109AF9DA4}" type="slidenum">
               <a:rPr lang="de-DE" smtClean="0"/>
               <a:pPr/>
-              <a:t>‹Nr.›</a:t>
+              <a:t>‹#›</a:t>
             </a:fld>
             <a:endParaRPr lang="de-DE" dirty="0"/>
           </a:p>
@@ -4853,7 +4853,7 @@
             <a:fld id="{CE58CB1E-F828-4F11-99E0-327109AF9DA4}" type="slidenum">
               <a:rPr lang="de-DE" smtClean="0"/>
               <a:pPr/>
-              <a:t>‹Nr.›</a:t>
+              <a:t>‹#›</a:t>
             </a:fld>
             <a:endParaRPr lang="de-DE" dirty="0"/>
           </a:p>
@@ -5222,7 +5222,7 @@
             <a:fld id="{CE58CB1E-F828-4F11-99E0-327109AF9DA4}" type="slidenum">
               <a:rPr lang="de-DE" smtClean="0"/>
               <a:pPr/>
-              <a:t>‹Nr.›</a:t>
+              <a:t>‹#›</a:t>
             </a:fld>
             <a:endParaRPr lang="de-DE" dirty="0"/>
           </a:p>
@@ -5421,7 +5421,7 @@
             <a:fld id="{CE58CB1E-F828-4F11-99E0-327109AF9DA4}" type="slidenum">
               <a:rPr lang="de-DE" smtClean="0"/>
               <a:pPr/>
-              <a:t>‹Nr.›</a:t>
+              <a:t>‹#›</a:t>
             </a:fld>
             <a:endParaRPr lang="de-DE" dirty="0"/>
           </a:p>
@@ -5645,7 +5645,7 @@
             <a:fld id="{CE58CB1E-F828-4F11-99E0-327109AF9DA4}" type="slidenum">
               <a:rPr lang="de-DE" smtClean="0"/>
               <a:pPr/>
-              <a:t>‹Nr.›</a:t>
+              <a:t>‹#›</a:t>
             </a:fld>
             <a:endParaRPr lang="de-DE" dirty="0"/>
           </a:p>
@@ -5882,7 +5882,7 @@
             <a:fld id="{CE58CB1E-F828-4F11-99E0-327109AF9DA4}" type="slidenum">
               <a:rPr lang="de-DE" smtClean="0"/>
               <a:pPr/>
-              <a:t>‹Nr.›</a:t>
+              <a:t>‹#›</a:t>
             </a:fld>
             <a:endParaRPr lang="de-DE" dirty="0"/>
           </a:p>
@@ -6360,7 +6360,7 @@
                   <a:spcPct val="114000"/>
                 </a:lnSpc>
               </a:pPr>
-              <a:t>‹Nr.›</a:t>
+              <a:t>‹#›</a:t>
             </a:fld>
             <a:endParaRPr lang="de-DE" sz="1200" dirty="0">
               <a:latin typeface="+mn-lt"/>
@@ -6452,7 +6452,7 @@
             <a:fld id="{CE58CB1E-F828-4F11-99E0-327109AF9DA4}" type="slidenum">
               <a:rPr lang="de-DE" noProof="0" smtClean="0"/>
               <a:pPr/>
-              <a:t>‹Nr.›</a:t>
+              <a:t>‹#›</a:t>
             </a:fld>
             <a:endParaRPr lang="de-DE" noProof="0"/>
           </a:p>
@@ -6966,7 +6966,7 @@
             <a:fld id="{CE58CB1E-F828-4F11-99E0-327109AF9DA4}" type="slidenum">
               <a:rPr lang="de-DE" smtClean="0"/>
               <a:pPr/>
-              <a:t>‹Nr.›</a:t>
+              <a:t>‹#›</a:t>
             </a:fld>
             <a:endParaRPr lang="de-DE" dirty="0"/>
           </a:p>
@@ -7642,7 +7642,7 @@
             <a:fld id="{CE58CB1E-F828-4F11-99E0-327109AF9DA4}" type="slidenum">
               <a:rPr lang="de-DE" smtClean="0"/>
               <a:pPr/>
-              <a:t>‹Nr.›</a:t>
+              <a:t>‹#›</a:t>
             </a:fld>
             <a:endParaRPr lang="de-DE" dirty="0"/>
           </a:p>
@@ -8239,7 +8239,7 @@
             <a:fld id="{CE58CB1E-F828-4F11-99E0-327109AF9DA4}" type="slidenum">
               <a:rPr lang="de-DE" smtClean="0"/>
               <a:pPr/>
-              <a:t>‹Nr.›</a:t>
+              <a:t>‹#›</a:t>
             </a:fld>
             <a:endParaRPr lang="de-DE" dirty="0"/>
           </a:p>
@@ -8836,7 +8836,7 @@
             <a:fld id="{CE58CB1E-F828-4F11-99E0-327109AF9DA4}" type="slidenum">
               <a:rPr lang="de-DE" smtClean="0"/>
               <a:pPr/>
-              <a:t>‹Nr.›</a:t>
+              <a:t>‹#›</a:t>
             </a:fld>
             <a:endParaRPr lang="de-DE" dirty="0"/>
           </a:p>
@@ -10993,12 +10993,237 @@
           </a:p>
         </p:txBody>
       </p:sp>
+      <p:sp>
+        <p:nvSpPr>
+          <p:cNvPr id="13" name="TextBox 12">
+            <a:extLst>
+              <a:ext uri="{FF2B5EF4-FFF2-40B4-BE49-F238E27FC236}">
+                <a16:creationId xmlns:a16="http://schemas.microsoft.com/office/drawing/2014/main" id="{FD7E47CA-3175-0D7E-C47B-A4EDAFBFA617}"/>
+              </a:ext>
+            </a:extLst>
+          </p:cNvPr>
+          <p:cNvSpPr txBox="1"/>
+          <p:nvPr/>
+        </p:nvSpPr>
+        <p:spPr>
+          <a:xfrm>
+            <a:off x="517035" y="5826982"/>
+            <a:ext cx="7582155" cy="646331"/>
+          </a:xfrm>
+          <a:prstGeom prst="rect">
+            <a:avLst/>
+          </a:prstGeom>
+          <a:noFill/>
+        </p:spPr>
+        <p:txBody>
+          <a:bodyPr wrap="square">
+            <a:spAutoFit/>
+          </a:bodyPr>
+          <a:lstStyle/>
+          <a:p>
+            <a:r>
+              <a:rPr lang="pt-BR" altLang="zh-CN" b="0" dirty="0">
+                <a:solidFill>
+                  <a:srgbClr val="A31515"/>
+                </a:solidFill>
+                <a:effectLst/>
+                <a:highlight>
+                  <a:srgbClr val="FFFFFF"/>
+                </a:highlight>
+                <a:latin typeface="Consolas" panose="020B0609020204030204" pitchFamily="49" charset="0"/>
+              </a:rPr>
+              <a:t>Different combinations of training set/test set:</a:t>
+            </a:r>
+          </a:p>
+          <a:p>
+            <a:r>
+              <a:rPr lang="pt-BR" altLang="zh-CN" b="0" dirty="0">
+                <a:solidFill>
+                  <a:srgbClr val="A31515"/>
+                </a:solidFill>
+                <a:effectLst/>
+                <a:highlight>
+                  <a:srgbClr val="FFFFFF"/>
+                </a:highlight>
+                <a:latin typeface="Consolas" panose="020B0609020204030204" pitchFamily="49" charset="0"/>
+              </a:rPr>
+              <a:t>'R/R'</a:t>
+            </a:r>
+            <a:r>
+              <a:rPr lang="pt-BR" altLang="zh-CN" b="0" dirty="0">
+                <a:solidFill>
+                  <a:srgbClr val="000000"/>
+                </a:solidFill>
+                <a:effectLst/>
+                <a:highlight>
+                  <a:srgbClr val="FFFFFF"/>
+                </a:highlight>
+                <a:latin typeface="Consolas" panose="020B0609020204030204" pitchFamily="49" charset="0"/>
+              </a:rPr>
+              <a:t>, </a:t>
+            </a:r>
+            <a:r>
+              <a:rPr lang="pt-BR" altLang="zh-CN" b="0" dirty="0">
+                <a:solidFill>
+                  <a:srgbClr val="A31515"/>
+                </a:solidFill>
+                <a:effectLst/>
+                <a:highlight>
+                  <a:srgbClr val="FFFFFF"/>
+                </a:highlight>
+                <a:latin typeface="Consolas" panose="020B0609020204030204" pitchFamily="49" charset="0"/>
+              </a:rPr>
+              <a:t>'B/B'</a:t>
+            </a:r>
+            <a:r>
+              <a:rPr lang="pt-BR" altLang="zh-CN" b="0" dirty="0">
+                <a:solidFill>
+                  <a:srgbClr val="000000"/>
+                </a:solidFill>
+                <a:effectLst/>
+                <a:highlight>
+                  <a:srgbClr val="FFFFFF"/>
+                </a:highlight>
+                <a:latin typeface="Consolas" panose="020B0609020204030204" pitchFamily="49" charset="0"/>
+              </a:rPr>
+              <a:t>, </a:t>
+            </a:r>
+            <a:r>
+              <a:rPr lang="pt-BR" altLang="zh-CN" b="0" dirty="0">
+                <a:solidFill>
+                  <a:srgbClr val="A31515"/>
+                </a:solidFill>
+                <a:effectLst/>
+                <a:highlight>
+                  <a:srgbClr val="FFFFFF"/>
+                </a:highlight>
+                <a:latin typeface="Consolas" panose="020B0609020204030204" pitchFamily="49" charset="0"/>
+              </a:rPr>
+              <a:t>'R/B'</a:t>
+            </a:r>
+            <a:r>
+              <a:rPr lang="pt-BR" altLang="zh-CN" b="0" dirty="0">
+                <a:solidFill>
+                  <a:srgbClr val="000000"/>
+                </a:solidFill>
+                <a:effectLst/>
+                <a:highlight>
+                  <a:srgbClr val="FFFFFF"/>
+                </a:highlight>
+                <a:latin typeface="Consolas" panose="020B0609020204030204" pitchFamily="49" charset="0"/>
+              </a:rPr>
+              <a:t>, </a:t>
+            </a:r>
+            <a:r>
+              <a:rPr lang="pt-BR" altLang="zh-CN" b="0" dirty="0">
+                <a:solidFill>
+                  <a:srgbClr val="A31515"/>
+                </a:solidFill>
+                <a:effectLst/>
+                <a:highlight>
+                  <a:srgbClr val="FFFFFF"/>
+                </a:highlight>
+                <a:latin typeface="Consolas" panose="020B0609020204030204" pitchFamily="49" charset="0"/>
+              </a:rPr>
+              <a:t>'B/R'</a:t>
+            </a:r>
+            <a:r>
+              <a:rPr lang="pt-BR" altLang="zh-CN" b="0" dirty="0">
+                <a:solidFill>
+                  <a:srgbClr val="000000"/>
+                </a:solidFill>
+                <a:effectLst/>
+                <a:highlight>
+                  <a:srgbClr val="FFFFFF"/>
+                </a:highlight>
+                <a:latin typeface="Consolas" panose="020B0609020204030204" pitchFamily="49" charset="0"/>
+              </a:rPr>
+              <a:t>, </a:t>
+            </a:r>
+            <a:r>
+              <a:rPr lang="pt-BR" altLang="zh-CN" b="0" dirty="0">
+                <a:solidFill>
+                  <a:srgbClr val="A31515"/>
+                </a:solidFill>
+                <a:effectLst/>
+                <a:highlight>
+                  <a:srgbClr val="FFFFFF"/>
+                </a:highlight>
+                <a:latin typeface="Consolas" panose="020B0609020204030204" pitchFamily="49" charset="0"/>
+              </a:rPr>
+              <a:t>'R+B/R'</a:t>
+            </a:r>
+            <a:r>
+              <a:rPr lang="pt-BR" altLang="zh-CN" b="0" dirty="0">
+                <a:solidFill>
+                  <a:srgbClr val="000000"/>
+                </a:solidFill>
+                <a:effectLst/>
+                <a:highlight>
+                  <a:srgbClr val="FFFFFF"/>
+                </a:highlight>
+                <a:latin typeface="Consolas" panose="020B0609020204030204" pitchFamily="49" charset="0"/>
+              </a:rPr>
+              <a:t>, </a:t>
+            </a:r>
+            <a:r>
+              <a:rPr lang="pt-BR" altLang="zh-CN" b="0" dirty="0">
+                <a:solidFill>
+                  <a:srgbClr val="A31515"/>
+                </a:solidFill>
+                <a:effectLst/>
+                <a:highlight>
+                  <a:srgbClr val="FFFFFF"/>
+                </a:highlight>
+                <a:latin typeface="Consolas" panose="020B0609020204030204" pitchFamily="49" charset="0"/>
+              </a:rPr>
+              <a:t>'R+B/B'</a:t>
+            </a:r>
+            <a:r>
+              <a:rPr lang="pt-BR" altLang="zh-CN" b="0" dirty="0">
+                <a:solidFill>
+                  <a:srgbClr val="000000"/>
+                </a:solidFill>
+                <a:effectLst/>
+                <a:highlight>
+                  <a:srgbClr val="FFFFFF"/>
+                </a:highlight>
+                <a:latin typeface="Consolas" panose="020B0609020204030204" pitchFamily="49" charset="0"/>
+              </a:rPr>
+              <a:t>, </a:t>
+            </a:r>
+            <a:r>
+              <a:rPr lang="pt-BR" altLang="zh-CN" b="0" dirty="0">
+                <a:solidFill>
+                  <a:srgbClr val="A31515"/>
+                </a:solidFill>
+                <a:effectLst/>
+                <a:highlight>
+                  <a:srgbClr val="FFFFFF"/>
+                </a:highlight>
+                <a:latin typeface="Consolas" panose="020B0609020204030204" pitchFamily="49" charset="0"/>
+              </a:rPr>
+              <a:t>'R+B/R+B'</a:t>
+            </a:r>
+            <a:endParaRPr lang="pt-BR" altLang="zh-CN" b="0" dirty="0">
+              <a:solidFill>
+                <a:srgbClr val="000000"/>
+              </a:solidFill>
+              <a:effectLst/>
+              <a:highlight>
+                <a:srgbClr val="FFFFFF"/>
+              </a:highlight>
+              <a:latin typeface="Consolas" panose="020B0609020204030204" pitchFamily="49" charset="0"/>
+            </a:endParaRPr>
+          </a:p>
+        </p:txBody>
+      </p:sp>
       <p:pic>
         <p:nvPicPr>
-          <p:cNvPr id="6" name="Picture 5">
+          <p:cNvPr id="5" name="Picture 4">
             <a:extLst>
               <a:ext uri="{FF2B5EF4-FFF2-40B4-BE49-F238E27FC236}">
-                <a16:creationId xmlns:a16="http://schemas.microsoft.com/office/drawing/2014/main" id="{1B05C182-C0A3-F1C0-3530-32D9611C1085}"/>
+                <a16:creationId xmlns:a16="http://schemas.microsoft.com/office/drawing/2014/main" id="{C6784B34-D38E-29FB-26F3-1CB91674A8F2}"/>
               </a:ext>
             </a:extLst>
           </p:cNvPr>
@@ -11015,7 +11240,7 @@
         </p:blipFill>
         <p:spPr>
           <a:xfrm>
-            <a:off x="0" y="1951291"/>
+            <a:off x="0" y="1750635"/>
             <a:ext cx="9144000" cy="3654394"/>
           </a:xfrm>
           <a:prstGeom prst="rect">
@@ -11023,231 +11248,6 @@
           </a:prstGeom>
         </p:spPr>
       </p:pic>
-      <p:sp>
-        <p:nvSpPr>
-          <p:cNvPr id="13" name="TextBox 12">
-            <a:extLst>
-              <a:ext uri="{FF2B5EF4-FFF2-40B4-BE49-F238E27FC236}">
-                <a16:creationId xmlns:a16="http://schemas.microsoft.com/office/drawing/2014/main" id="{FD7E47CA-3175-0D7E-C47B-A4EDAFBFA617}"/>
-              </a:ext>
-            </a:extLst>
-          </p:cNvPr>
-          <p:cNvSpPr txBox="1"/>
-          <p:nvPr/>
-        </p:nvSpPr>
-        <p:spPr>
-          <a:xfrm>
-            <a:off x="517035" y="5826982"/>
-            <a:ext cx="7582155" cy="646331"/>
-          </a:xfrm>
-          <a:prstGeom prst="rect">
-            <a:avLst/>
-          </a:prstGeom>
-          <a:noFill/>
-        </p:spPr>
-        <p:txBody>
-          <a:bodyPr wrap="square">
-            <a:spAutoFit/>
-          </a:bodyPr>
-          <a:lstStyle/>
-          <a:p>
-            <a:r>
-              <a:rPr lang="pt-BR" altLang="zh-CN" b="0" dirty="0">
-                <a:solidFill>
-                  <a:srgbClr val="A31515"/>
-                </a:solidFill>
-                <a:effectLst/>
-                <a:highlight>
-                  <a:srgbClr val="FFFFFF"/>
-                </a:highlight>
-                <a:latin typeface="Consolas" panose="020B0609020204030204" pitchFamily="49" charset="0"/>
-              </a:rPr>
-              <a:t>Different combinations of training set/test set:</a:t>
-            </a:r>
-          </a:p>
-          <a:p>
-            <a:r>
-              <a:rPr lang="pt-BR" altLang="zh-CN" b="0" dirty="0">
-                <a:solidFill>
-                  <a:srgbClr val="A31515"/>
-                </a:solidFill>
-                <a:effectLst/>
-                <a:highlight>
-                  <a:srgbClr val="FFFFFF"/>
-                </a:highlight>
-                <a:latin typeface="Consolas" panose="020B0609020204030204" pitchFamily="49" charset="0"/>
-              </a:rPr>
-              <a:t>'R/R'</a:t>
-            </a:r>
-            <a:r>
-              <a:rPr lang="pt-BR" altLang="zh-CN" b="0" dirty="0">
-                <a:solidFill>
-                  <a:srgbClr val="000000"/>
-                </a:solidFill>
-                <a:effectLst/>
-                <a:highlight>
-                  <a:srgbClr val="FFFFFF"/>
-                </a:highlight>
-                <a:latin typeface="Consolas" panose="020B0609020204030204" pitchFamily="49" charset="0"/>
-              </a:rPr>
-              <a:t>, </a:t>
-            </a:r>
-            <a:r>
-              <a:rPr lang="pt-BR" altLang="zh-CN" b="0" dirty="0">
-                <a:solidFill>
-                  <a:srgbClr val="A31515"/>
-                </a:solidFill>
-                <a:effectLst/>
-                <a:highlight>
-                  <a:srgbClr val="FFFFFF"/>
-                </a:highlight>
-                <a:latin typeface="Consolas" panose="020B0609020204030204" pitchFamily="49" charset="0"/>
-              </a:rPr>
-              <a:t>'B/B'</a:t>
-            </a:r>
-            <a:r>
-              <a:rPr lang="pt-BR" altLang="zh-CN" b="0" dirty="0">
-                <a:solidFill>
-                  <a:srgbClr val="000000"/>
-                </a:solidFill>
-                <a:effectLst/>
-                <a:highlight>
-                  <a:srgbClr val="FFFFFF"/>
-                </a:highlight>
-                <a:latin typeface="Consolas" panose="020B0609020204030204" pitchFamily="49" charset="0"/>
-              </a:rPr>
-              <a:t>, </a:t>
-            </a:r>
-            <a:r>
-              <a:rPr lang="pt-BR" altLang="zh-CN" b="0" dirty="0">
-                <a:solidFill>
-                  <a:srgbClr val="A31515"/>
-                </a:solidFill>
-                <a:effectLst/>
-                <a:highlight>
-                  <a:srgbClr val="FFFFFF"/>
-                </a:highlight>
-                <a:latin typeface="Consolas" panose="020B0609020204030204" pitchFamily="49" charset="0"/>
-              </a:rPr>
-              <a:t>'R/B'</a:t>
-            </a:r>
-            <a:r>
-              <a:rPr lang="pt-BR" altLang="zh-CN" b="0" dirty="0">
-                <a:solidFill>
-                  <a:srgbClr val="000000"/>
-                </a:solidFill>
-                <a:effectLst/>
-                <a:highlight>
-                  <a:srgbClr val="FFFFFF"/>
-                </a:highlight>
-                <a:latin typeface="Consolas" panose="020B0609020204030204" pitchFamily="49" charset="0"/>
-              </a:rPr>
-              <a:t>, </a:t>
-            </a:r>
-            <a:r>
-              <a:rPr lang="pt-BR" altLang="zh-CN" b="0" dirty="0">
-                <a:solidFill>
-                  <a:srgbClr val="A31515"/>
-                </a:solidFill>
-                <a:effectLst/>
-                <a:highlight>
-                  <a:srgbClr val="FFFFFF"/>
-                </a:highlight>
-                <a:latin typeface="Consolas" panose="020B0609020204030204" pitchFamily="49" charset="0"/>
-              </a:rPr>
-              <a:t>'B/R'</a:t>
-            </a:r>
-            <a:r>
-              <a:rPr lang="pt-BR" altLang="zh-CN" b="0" dirty="0">
-                <a:solidFill>
-                  <a:srgbClr val="000000"/>
-                </a:solidFill>
-                <a:effectLst/>
-                <a:highlight>
-                  <a:srgbClr val="FFFFFF"/>
-                </a:highlight>
-                <a:latin typeface="Consolas" panose="020B0609020204030204" pitchFamily="49" charset="0"/>
-              </a:rPr>
-              <a:t>, </a:t>
-            </a:r>
-            <a:r>
-              <a:rPr lang="pt-BR" altLang="zh-CN" b="0" dirty="0">
-                <a:solidFill>
-                  <a:srgbClr val="A31515"/>
-                </a:solidFill>
-                <a:effectLst/>
-                <a:highlight>
-                  <a:srgbClr val="FFFFFF"/>
-                </a:highlight>
-                <a:latin typeface="Consolas" panose="020B0609020204030204" pitchFamily="49" charset="0"/>
-              </a:rPr>
-              <a:t>'R+B/R'</a:t>
-            </a:r>
-            <a:r>
-              <a:rPr lang="pt-BR" altLang="zh-CN" b="0" dirty="0">
-                <a:solidFill>
-                  <a:srgbClr val="000000"/>
-                </a:solidFill>
-                <a:effectLst/>
-                <a:highlight>
-                  <a:srgbClr val="FFFFFF"/>
-                </a:highlight>
-                <a:latin typeface="Consolas" panose="020B0609020204030204" pitchFamily="49" charset="0"/>
-              </a:rPr>
-              <a:t>, </a:t>
-            </a:r>
-            <a:r>
-              <a:rPr lang="pt-BR" altLang="zh-CN" b="0" dirty="0">
-                <a:solidFill>
-                  <a:srgbClr val="A31515"/>
-                </a:solidFill>
-                <a:effectLst/>
-                <a:highlight>
-                  <a:srgbClr val="FFFFFF"/>
-                </a:highlight>
-                <a:latin typeface="Consolas" panose="020B0609020204030204" pitchFamily="49" charset="0"/>
-              </a:rPr>
-              <a:t>'R+B/B'</a:t>
-            </a:r>
-            <a:r>
-              <a:rPr lang="pt-BR" altLang="zh-CN" b="0" dirty="0">
-                <a:solidFill>
-                  <a:srgbClr val="000000"/>
-                </a:solidFill>
-                <a:effectLst/>
-                <a:highlight>
-                  <a:srgbClr val="FFFFFF"/>
-                </a:highlight>
-                <a:latin typeface="Consolas" panose="020B0609020204030204" pitchFamily="49" charset="0"/>
-              </a:rPr>
-              <a:t>, </a:t>
-            </a:r>
-            <a:r>
-              <a:rPr lang="pt-BR" altLang="zh-CN" b="0" dirty="0">
-                <a:solidFill>
-                  <a:srgbClr val="A31515"/>
-                </a:solidFill>
-                <a:effectLst/>
-                <a:highlight>
-                  <a:srgbClr val="FFFFFF"/>
-                </a:highlight>
-                <a:latin typeface="Consolas" panose="020B0609020204030204" pitchFamily="49" charset="0"/>
-              </a:rPr>
-              <a:t>'R+B/R+B'</a:t>
-            </a:r>
-            <a:endParaRPr lang="pt-BR" altLang="zh-CN" b="0" dirty="0">
-              <a:solidFill>
-                <a:srgbClr val="000000"/>
-              </a:solidFill>
-              <a:effectLst/>
-              <a:highlight>
-                <a:srgbClr val="FFFFFF"/>
-              </a:highlight>
-              <a:latin typeface="Consolas" panose="020B0609020204030204" pitchFamily="49" charset="0"/>
-            </a:endParaRPr>
-          </a:p>
-        </p:txBody>
-      </p:sp>
     </p:spTree>
   </p:cSld>
   <p:clrMapOvr>
@@ -12157,13 +12157,7 @@
                             <a:rPr lang="de-DE" altLang="zh-CN" b="0" i="1" smtClean="0">
                               <a:latin typeface="Cambria Math" panose="02040503050406030204" pitchFamily="18" charset="0"/>
                             </a:rPr>
-                            <m:t>1</m:t>
-                          </m:r>
-                          <m:r>
-                            <a:rPr lang="de-DE" altLang="zh-CN" b="0" i="1" smtClean="0">
-                              <a:latin typeface="Cambria Math" panose="02040503050406030204" pitchFamily="18" charset="0"/>
-                            </a:rPr>
-                            <m:t>−</m:t>
+                            <m:t>1−</m:t>
                           </m:r>
                           <m:func>
                             <m:funcPr>

--- a/final project/Part_1-2-4.pptx
+++ b/final project/Part_1-2-4.pptx
@@ -11220,10 +11220,10 @@
       </p:sp>
       <p:pic>
         <p:nvPicPr>
-          <p:cNvPr id="5" name="Picture 4">
+          <p:cNvPr id="9" name="Picture 8">
             <a:extLst>
               <a:ext uri="{FF2B5EF4-FFF2-40B4-BE49-F238E27FC236}">
-                <a16:creationId xmlns:a16="http://schemas.microsoft.com/office/drawing/2014/main" id="{C6784B34-D38E-29FB-26F3-1CB91674A8F2}"/>
+                <a16:creationId xmlns:a16="http://schemas.microsoft.com/office/drawing/2014/main" id="{69722A57-93CD-B5A1-8C00-3031C17DE9D3}"/>
               </a:ext>
             </a:extLst>
           </p:cNvPr>
@@ -11240,8 +11240,8 @@
         </p:blipFill>
         <p:spPr>
           <a:xfrm>
-            <a:off x="0" y="1750635"/>
-            <a:ext cx="9144000" cy="3654394"/>
+            <a:off x="0" y="1597796"/>
+            <a:ext cx="9144000" cy="3662408"/>
           </a:xfrm>
           <a:prstGeom prst="rect">
             <a:avLst/>
@@ -12157,7 +12157,13 @@
                             <a:rPr lang="de-DE" altLang="zh-CN" b="0" i="1" smtClean="0">
                               <a:latin typeface="Cambria Math" panose="02040503050406030204" pitchFamily="18" charset="0"/>
                             </a:rPr>
-                            <m:t>1−</m:t>
+                            <m:t>1</m:t>
+                          </m:r>
+                          <m:r>
+                            <a:rPr lang="de-DE" altLang="zh-CN" b="0" i="1" smtClean="0">
+                              <a:latin typeface="Cambria Math" panose="02040503050406030204" pitchFamily="18" charset="0"/>
+                            </a:rPr>
+                            <m:t>−</m:t>
                           </m:r>
                           <m:func>
                             <m:funcPr>
@@ -13907,13 +13913,7 @@
                             <a:rPr lang="de-DE" b="0" i="1" smtClean="0">
                               <a:latin typeface="Cambria Math" panose="02040503050406030204" pitchFamily="18" charset="0"/>
                             </a:rPr>
-                            <m:t>1</m:t>
-                          </m:r>
-                          <m:r>
-                            <a:rPr lang="de-DE" b="0" i="1" smtClean="0">
-                              <a:latin typeface="Cambria Math" panose="02040503050406030204" pitchFamily="18" charset="0"/>
-                            </a:rPr>
-                            <m:t>−</m:t>
+                            <m:t>1−</m:t>
                           </m:r>
                           <m:func>
                             <m:funcPr>

--- a/final project/Part_1-2-4.pptx
+++ b/final project/Part_1-2-4.pptx
@@ -11495,77 +11495,6 @@
           </a:p>
         </p:txBody>
       </p:sp>
-      <p:pic>
-        <p:nvPicPr>
-          <p:cNvPr id="15" name="Picture 14">
-            <a:extLst>
-              <a:ext uri="{FF2B5EF4-FFF2-40B4-BE49-F238E27FC236}">
-                <a16:creationId xmlns:a16="http://schemas.microsoft.com/office/drawing/2014/main" id="{B5CDCC84-F784-EC78-F9B8-0780832D4DBF}"/>
-              </a:ext>
-            </a:extLst>
-          </p:cNvPr>
-          <p:cNvPicPr>
-            <a:picLocks noChangeAspect="1"/>
-          </p:cNvPicPr>
-          <p:nvPr/>
-        </p:nvPicPr>
-        <p:blipFill rotWithShape="1">
-          <a:blip r:embed="rId4"/>
-          <a:srcRect t="5213"/>
-          <a:stretch/>
-        </p:blipFill>
-        <p:spPr>
-          <a:xfrm>
-            <a:off x="398663" y="3547136"/>
-            <a:ext cx="4621332" cy="3271454"/>
-          </a:xfrm>
-          <a:prstGeom prst="rect">
-            <a:avLst/>
-          </a:prstGeom>
-        </p:spPr>
-      </p:pic>
-      <p:sp>
-        <p:nvSpPr>
-          <p:cNvPr id="17" name="TextBox 16">
-            <a:extLst>
-              <a:ext uri="{FF2B5EF4-FFF2-40B4-BE49-F238E27FC236}">
-                <a16:creationId xmlns:a16="http://schemas.microsoft.com/office/drawing/2014/main" id="{76EECF56-CCE9-F864-66E0-96755C8199AD}"/>
-              </a:ext>
-            </a:extLst>
-          </p:cNvPr>
-          <p:cNvSpPr txBox="1"/>
-          <p:nvPr/>
-        </p:nvSpPr>
-        <p:spPr>
-          <a:xfrm>
-            <a:off x="165697" y="3235906"/>
-            <a:ext cx="5742854" cy="257250"/>
-          </a:xfrm>
-          <a:prstGeom prst="rect">
-            <a:avLst/>
-          </a:prstGeom>
-          <a:noFill/>
-        </p:spPr>
-        <p:txBody>
-          <a:bodyPr wrap="none" lIns="0" tIns="0" rIns="0" bIns="0" rtlCol="0">
-            <a:spAutoFit/>
-          </a:bodyPr>
-          <a:lstStyle/>
-          <a:p>
-            <a:pPr>
-              <a:lnSpc>
-                <a:spcPct val="114000"/>
-              </a:lnSpc>
-            </a:pPr>
-            <a:r>
-              <a:rPr lang="en-US" sz="1600" dirty="0">
-                <a:latin typeface="+mn-lt"/>
-              </a:rPr>
-              <a:t>Test errors of ANN on dataset R+B/R+B w.r.t number of epochs</a:t>
-            </a:r>
-          </a:p>
-        </p:txBody>
-      </p:sp>
       <p:sp>
         <p:nvSpPr>
           <p:cNvPr id="18" name="TextBox 17">
@@ -11608,6 +11537,36 @@
           </a:p>
         </p:txBody>
       </p:sp>
+      <p:pic>
+        <p:nvPicPr>
+          <p:cNvPr id="5" name="Picture 4">
+            <a:extLst>
+              <a:ext uri="{FF2B5EF4-FFF2-40B4-BE49-F238E27FC236}">
+                <a16:creationId xmlns:a16="http://schemas.microsoft.com/office/drawing/2014/main" id="{877FEE35-25B7-B43B-C6D2-EE5B9CB4F264}"/>
+              </a:ext>
+            </a:extLst>
+          </p:cNvPr>
+          <p:cNvPicPr>
+            <a:picLocks noChangeAspect="1"/>
+          </p:cNvPicPr>
+          <p:nvPr/>
+        </p:nvPicPr>
+        <p:blipFill>
+          <a:blip r:embed="rId4"/>
+          <a:stretch>
+            <a:fillRect/>
+          </a:stretch>
+        </p:blipFill>
+        <p:spPr>
+          <a:xfrm>
+            <a:off x="165697" y="3140704"/>
+            <a:ext cx="4796920" cy="3582510"/>
+          </a:xfrm>
+          <a:prstGeom prst="rect">
+            <a:avLst/>
+          </a:prstGeom>
+        </p:spPr>
+      </p:pic>
     </p:spTree>
     <p:extLst>
       <p:ext uri="{BB962C8B-B14F-4D97-AF65-F5344CB8AC3E}">
@@ -13913,7 +13872,13 @@
                             <a:rPr lang="de-DE" b="0" i="1" smtClean="0">
                               <a:latin typeface="Cambria Math" panose="02040503050406030204" pitchFamily="18" charset="0"/>
                             </a:rPr>
-                            <m:t>1−</m:t>
+                            <m:t>1</m:t>
+                          </m:r>
+                          <m:r>
+                            <a:rPr lang="de-DE" b="0" i="1" smtClean="0">
+                              <a:latin typeface="Cambria Math" panose="02040503050406030204" pitchFamily="18" charset="0"/>
+                            </a:rPr>
+                            <m:t>−</m:t>
                           </m:r>
                           <m:func>
                             <m:funcPr>

--- a/final project/Part_1-2-4.pptx
+++ b/final project/Part_1-2-4.pptx
@@ -11597,107 +11597,12 @@
           <a:chExt cx="0" cy="0"/>
         </a:xfrm>
       </p:grpSpPr>
-      <p:sp>
-        <p:nvSpPr>
-          <p:cNvPr id="2" name="Inhaltsplatzhalter 1"/>
-          <p:cNvSpPr>
-            <a:spLocks noGrp="1"/>
-          </p:cNvSpPr>
-          <p:nvPr>
-            <p:ph idx="1"/>
-          </p:nvPr>
-        </p:nvSpPr>
-        <p:spPr>
-          <a:xfrm>
-            <a:off x="2637252" y="2138866"/>
-            <a:ext cx="8508999" cy="4699572"/>
-          </a:xfrm>
-        </p:spPr>
-        <p:txBody>
-          <a:bodyPr/>
-          <a:lstStyle/>
-          <a:p>
-            <a:endParaRPr lang="en-US" altLang="zh-CN" sz="1800" dirty="0">
-              <a:effectLst/>
-            </a:endParaRPr>
-          </a:p>
-          <a:p>
-            <a:endParaRPr lang="zh-CN" altLang="en-US" dirty="0"/>
-          </a:p>
-        </p:txBody>
-      </p:sp>
-      <p:sp>
-        <p:nvSpPr>
-          <p:cNvPr id="4" name="Foliennummernplatzhalter 3"/>
-          <p:cNvSpPr>
-            <a:spLocks noGrp="1"/>
-          </p:cNvSpPr>
-          <p:nvPr>
-            <p:ph type="sldNum" sz="quarter" idx="11"/>
-          </p:nvPr>
-        </p:nvSpPr>
-        <p:spPr>
-          <a:prstGeom prst="rect">
-            <a:avLst/>
-          </a:prstGeom>
-        </p:spPr>
-        <p:txBody>
-          <a:bodyPr/>
-          <a:lstStyle/>
-          <a:p>
-            <a:fld id="{CE58CB1E-F828-4F11-99E0-327109AF9DA4}" type="slidenum">
-              <a:rPr lang="de-DE" smtClean="0"/>
-              <a:pPr/>
-              <a:t>15</a:t>
-            </a:fld>
-            <a:endParaRPr lang="de-DE" dirty="0"/>
-          </a:p>
-        </p:txBody>
-      </p:sp>
-      <p:sp>
-        <p:nvSpPr>
-          <p:cNvPr id="3" name="Titel 2"/>
-          <p:cNvSpPr>
-            <a:spLocks noGrp="1"/>
-          </p:cNvSpPr>
-          <p:nvPr>
-            <p:ph type="title"/>
-          </p:nvPr>
-        </p:nvSpPr>
-        <p:spPr>
-          <a:xfrm>
-            <a:off x="319090" y="674031"/>
-            <a:ext cx="8508999" cy="820738"/>
-          </a:xfrm>
-          <a:prstGeom prst="rect">
-            <a:avLst/>
-          </a:prstGeom>
-        </p:spPr>
-        <p:txBody>
-          <a:bodyPr/>
-          <a:lstStyle/>
-          <a:p>
-            <a:r>
-              <a:rPr lang="en-US" sz="3000" dirty="0"/>
-              <a:t>Implementation of ANN model</a:t>
-            </a:r>
-            <a:br>
-              <a:rPr lang="en-US" sz="3000" dirty="0"/>
-            </a:br>
-            <a:r>
-              <a:rPr lang="en-US" sz="2800" dirty="0"/>
-              <a:t> – Comparisons</a:t>
-            </a:r>
-            <a:endParaRPr lang="de-DE" sz="3000" dirty="0"/>
-          </a:p>
-        </p:txBody>
-      </p:sp>
       <p:pic>
         <p:nvPicPr>
-          <p:cNvPr id="15" name="Picture 14">
+          <p:cNvPr id="6" name="Picture 5">
             <a:extLst>
               <a:ext uri="{FF2B5EF4-FFF2-40B4-BE49-F238E27FC236}">
-                <a16:creationId xmlns:a16="http://schemas.microsoft.com/office/drawing/2014/main" id="{A6A319AE-042D-A7EE-12BE-0FA7AED8890B}"/>
+                <a16:creationId xmlns:a16="http://schemas.microsoft.com/office/drawing/2014/main" id="{83035FAB-A1E1-15FC-3F44-4A18967A4BD7}"/>
               </a:ext>
             </a:extLst>
           </p:cNvPr>
@@ -11714,14 +11619,109 @@
         </p:blipFill>
         <p:spPr>
           <a:xfrm>
-            <a:off x="387154" y="1465048"/>
-            <a:ext cx="5581662" cy="4168583"/>
+            <a:off x="305929" y="1467531"/>
+            <a:ext cx="5762340" cy="4303520"/>
           </a:xfrm>
           <a:prstGeom prst="rect">
             <a:avLst/>
           </a:prstGeom>
         </p:spPr>
       </p:pic>
+      <p:sp>
+        <p:nvSpPr>
+          <p:cNvPr id="2" name="Inhaltsplatzhalter 1"/>
+          <p:cNvSpPr>
+            <a:spLocks noGrp="1"/>
+          </p:cNvSpPr>
+          <p:nvPr>
+            <p:ph idx="1"/>
+          </p:nvPr>
+        </p:nvSpPr>
+        <p:spPr>
+          <a:xfrm>
+            <a:off x="2637252" y="2138866"/>
+            <a:ext cx="8508999" cy="4699572"/>
+          </a:xfrm>
+        </p:spPr>
+        <p:txBody>
+          <a:bodyPr/>
+          <a:lstStyle/>
+          <a:p>
+            <a:endParaRPr lang="en-US" altLang="zh-CN" sz="1800" dirty="0">
+              <a:effectLst/>
+            </a:endParaRPr>
+          </a:p>
+          <a:p>
+            <a:endParaRPr lang="zh-CN" altLang="en-US" dirty="0"/>
+          </a:p>
+        </p:txBody>
+      </p:sp>
+      <p:sp>
+        <p:nvSpPr>
+          <p:cNvPr id="4" name="Foliennummernplatzhalter 3"/>
+          <p:cNvSpPr>
+            <a:spLocks noGrp="1"/>
+          </p:cNvSpPr>
+          <p:nvPr>
+            <p:ph type="sldNum" sz="quarter" idx="11"/>
+          </p:nvPr>
+        </p:nvSpPr>
+        <p:spPr>
+          <a:prstGeom prst="rect">
+            <a:avLst/>
+          </a:prstGeom>
+        </p:spPr>
+        <p:txBody>
+          <a:bodyPr/>
+          <a:lstStyle/>
+          <a:p>
+            <a:fld id="{CE58CB1E-F828-4F11-99E0-327109AF9DA4}" type="slidenum">
+              <a:rPr lang="de-DE" smtClean="0"/>
+              <a:pPr/>
+              <a:t>15</a:t>
+            </a:fld>
+            <a:endParaRPr lang="de-DE" dirty="0"/>
+          </a:p>
+        </p:txBody>
+      </p:sp>
+      <p:sp>
+        <p:nvSpPr>
+          <p:cNvPr id="3" name="Titel 2"/>
+          <p:cNvSpPr>
+            <a:spLocks noGrp="1"/>
+          </p:cNvSpPr>
+          <p:nvPr>
+            <p:ph type="title"/>
+          </p:nvPr>
+        </p:nvSpPr>
+        <p:spPr>
+          <a:xfrm>
+            <a:off x="319090" y="674031"/>
+            <a:ext cx="8508999" cy="820738"/>
+          </a:xfrm>
+          <a:prstGeom prst="rect">
+            <a:avLst/>
+          </a:prstGeom>
+        </p:spPr>
+        <p:txBody>
+          <a:bodyPr/>
+          <a:lstStyle/>
+          <a:p>
+            <a:r>
+              <a:rPr lang="en-US" sz="3000" dirty="0"/>
+              <a:t>Implementation of ANN model</a:t>
+            </a:r>
+            <a:br>
+              <a:rPr lang="en-US" sz="3000" dirty="0"/>
+            </a:br>
+            <a:r>
+              <a:rPr lang="en-US" sz="2800" dirty="0"/>
+              <a:t> – Comparisons</a:t>
+            </a:r>
+            <a:endParaRPr lang="de-DE" sz="3000" dirty="0"/>
+          </a:p>
+        </p:txBody>
+      </p:sp>
       <p:sp>
         <p:nvSpPr>
           <p:cNvPr id="17" name="TextBox 16">
@@ -11786,8 +11786,8 @@
         </p:blipFill>
         <p:spPr>
           <a:xfrm>
-            <a:off x="3686351" y="3284089"/>
-            <a:ext cx="2010394" cy="821506"/>
+            <a:off x="3686351" y="3229407"/>
+            <a:ext cx="1524841" cy="623095"/>
           </a:xfrm>
           <a:prstGeom prst="rect">
             <a:avLst/>
@@ -11816,16 +11816,16 @@
         </p:blipFill>
         <p:spPr>
           <a:xfrm>
-            <a:off x="3686351" y="4206741"/>
-            <a:ext cx="2010394" cy="800206"/>
+            <a:off x="3686351" y="3852502"/>
+            <a:ext cx="1598228" cy="636150"/>
           </a:xfrm>
           <a:prstGeom prst="rect">
             <a:avLst/>
           </a:prstGeom>
         </p:spPr>
       </p:pic>
-      <mc:AlternateContent xmlns:mc="http://schemas.openxmlformats.org/markup-compatibility/2006" xmlns:a14="http://schemas.microsoft.com/office/drawing/2010/main">
-        <mc:Choice Requires="a14">
+      <mc:AlternateContent xmlns:mc="http://schemas.openxmlformats.org/markup-compatibility/2006">
+        <mc:Choice xmlns:a14="http://schemas.microsoft.com/office/drawing/2010/main" Requires="a14">
           <p:sp>
             <p:nvSpPr>
               <p:cNvPr id="25" name="TextBox 24">
@@ -11869,7 +11869,7 @@
                   <a:rPr lang="en-US" sz="1600" dirty="0" err="1">
                     <a:latin typeface="+mn-lt"/>
                   </a:rPr>
-                  <a:t>Weissmann</a:t>
+                  <a:t>Weidmann</a:t>
                 </a:r>
                 <a:r>
                   <a:rPr lang="en-US" sz="1600" dirty="0">
@@ -11973,7 +11973,7 @@
             </p:txBody>
           </p:sp>
         </mc:Choice>
-        <mc:Fallback xmlns="">
+        <mc:Fallback>
           <p:sp>
             <p:nvSpPr>
               <p:cNvPr id="25" name="TextBox 24">
@@ -12116,13 +12116,7 @@
                             <a:rPr lang="de-DE" altLang="zh-CN" b="0" i="1" smtClean="0">
                               <a:latin typeface="Cambria Math" panose="02040503050406030204" pitchFamily="18" charset="0"/>
                             </a:rPr>
-                            <m:t>1</m:t>
-                          </m:r>
-                          <m:r>
-                            <a:rPr lang="de-DE" altLang="zh-CN" b="0" i="1" smtClean="0">
-                              <a:latin typeface="Cambria Math" panose="02040503050406030204" pitchFamily="18" charset="0"/>
-                            </a:rPr>
-                            <m:t>−</m:t>
+                            <m:t>1−</m:t>
                           </m:r>
                           <m:func>
                             <m:funcPr>
@@ -13872,13 +13866,7 @@
                             <a:rPr lang="de-DE" b="0" i="1" smtClean="0">
                               <a:latin typeface="Cambria Math" panose="02040503050406030204" pitchFamily="18" charset="0"/>
                             </a:rPr>
-                            <m:t>1</m:t>
-                          </m:r>
-                          <m:r>
-                            <a:rPr lang="de-DE" b="0" i="1" smtClean="0">
-                              <a:latin typeface="Cambria Math" panose="02040503050406030204" pitchFamily="18" charset="0"/>
-                            </a:rPr>
-                            <m:t>−</m:t>
+                            <m:t>1−</m:t>
                           </m:r>
                           <m:func>
                             <m:funcPr>
